--- a/presentation/btrfsvsext4_david.pptx
+++ b/presentation/btrfsvsext4_david.pptx
@@ -5,13 +5,14 @@
     <p:sldMasterId id="2147483660" r:id="rId1"/>
   </p:sldMasterIdLst>
   <p:notesMasterIdLst>
-    <p:notesMasterId r:id="rId6"/>
+    <p:notesMasterId r:id="rId7"/>
   </p:notesMasterIdLst>
   <p:sldIdLst>
     <p:sldId id="259" r:id="rId2"/>
     <p:sldId id="260" r:id="rId3"/>
     <p:sldId id="262" r:id="rId4"/>
     <p:sldId id="261" r:id="rId5"/>
+    <p:sldId id="263" r:id="rId6"/>
   </p:sldIdLst>
   <p:sldSz cx="12192000" cy="6858000"/>
   <p:notesSz cx="6858000" cy="9144000"/>
@@ -211,7 +212,7 @@
           <a:p>
             <a:fld id="{63058EB7-BFE5-4A0E-BF23-C79B54785E29}" type="datetimeFigureOut">
               <a:rPr lang="de-DE" smtClean="0"/>
-              <a:t>28.02.2020</a:t>
+              <a:t>29.02.2020</a:t>
             </a:fld>
             <a:endParaRPr lang="de-DE"/>
           </a:p>
@@ -275,38 +276,37 @@
           <a:p>
             <a:pPr lvl="0"/>
             <a:r>
-              <a:rPr lang="de-DE" smtClean="0"/>
+              <a:rPr lang="de-DE"/>
               <a:t>Textmasterformat bearbeiten</a:t>
             </a:r>
           </a:p>
           <a:p>
             <a:pPr lvl="1"/>
             <a:r>
-              <a:rPr lang="de-DE" smtClean="0"/>
+              <a:rPr lang="de-DE"/>
               <a:t>Zweite Ebene</a:t>
             </a:r>
           </a:p>
           <a:p>
             <a:pPr lvl="2"/>
             <a:r>
-              <a:rPr lang="de-DE" smtClean="0"/>
+              <a:rPr lang="de-DE"/>
               <a:t>Dritte Ebene</a:t>
             </a:r>
           </a:p>
           <a:p>
             <a:pPr lvl="3"/>
             <a:r>
-              <a:rPr lang="de-DE" smtClean="0"/>
+              <a:rPr lang="de-DE"/>
               <a:t>Vierte Ebene</a:t>
             </a:r>
           </a:p>
           <a:p>
             <a:pPr lvl="4"/>
             <a:r>
-              <a:rPr lang="de-DE" smtClean="0"/>
+              <a:rPr lang="de-DE"/>
               <a:t>Fünfte Ebene</a:t>
             </a:r>
-            <a:endParaRPr lang="de-DE"/>
           </a:p>
         </p:txBody>
       </p:sp>
@@ -714,7 +714,7 @@
           </a:lstStyle>
           <a:p>
             <a:r>
-              <a:rPr lang="de-DE" smtClean="0"/>
+              <a:rPr lang="de-DE"/>
               <a:t>Titelmasterformat durch Klicken bearbeiten</a:t>
             </a:r>
             <a:endParaRPr/>
@@ -910,7 +910,7 @@
           </a:lstStyle>
           <a:p>
             <a:r>
-              <a:rPr lang="de-DE" smtClean="0"/>
+              <a:rPr lang="de-DE"/>
               <a:t>Formatvorlage des Untertitelmasters durch Klicken bearbeiten</a:t>
             </a:r>
             <a:endParaRPr/>
@@ -953,13 +953,6 @@
   <p:clrMapOvr>
     <a:masterClrMapping/>
   </p:clrMapOvr>
-  <p:timing>
-    <p:tnLst>
-      <p:par>
-        <p:cTn id="1" dur="indefinite" restart="never" nodeType="tmRoot"/>
-      </p:par>
-    </p:tnLst>
-  </p:timing>
 </p:sldLayout>
 </file>
 
@@ -1257,7 +1250,7 @@
           <a:p>
             <a:pPr lvl="0"/>
             <a:r>
-              <a:rPr lang="de-DE" smtClean="0"/>
+              <a:rPr lang="de-DE"/>
               <a:t>Textmasterformat bearbeiten</a:t>
             </a:r>
           </a:p>
@@ -1404,13 +1397,6 @@
   <p:clrMapOvr>
     <a:masterClrMapping/>
   </p:clrMapOvr>
-  <p:timing>
-    <p:tnLst>
-      <p:par>
-        <p:cTn id="1" dur="indefinite" restart="never" nodeType="tmRoot"/>
-      </p:par>
-    </p:tnLst>
-  </p:timing>
 </p:sldLayout>
 </file>
 
@@ -1748,7 +1734,7 @@
           </a:lstStyle>
           <a:p>
             <a:r>
-              <a:rPr lang="de-DE" dirty="0" smtClean="0"/>
+              <a:rPr lang="de-DE" dirty="0"/>
               <a:t>Titelmasterformat durch Klicken bearbeiten</a:t>
             </a:r>
             <a:endParaRPr dirty="0"/>
@@ -1882,7 +1868,7 @@
           <a:p>
             <a:pPr lvl="0"/>
             <a:r>
-              <a:rPr lang="de-DE" smtClean="0"/>
+              <a:rPr lang="de-DE"/>
               <a:t>Textmasterformat bearbeiten</a:t>
             </a:r>
           </a:p>
@@ -1971,13 +1957,6 @@
   <p:clrMapOvr>
     <a:masterClrMapping/>
   </p:clrMapOvr>
-  <p:timing>
-    <p:tnLst>
-      <p:par>
-        <p:cTn id="1" dur="indefinite" restart="never" nodeType="tmRoot"/>
-      </p:par>
-    </p:tnLst>
-  </p:timing>
 </p:sldLayout>
 </file>
 
@@ -2315,7 +2294,7 @@
           </a:lstStyle>
           <a:p>
             <a:r>
-              <a:rPr lang="de-DE" dirty="0" smtClean="0"/>
+              <a:rPr lang="de-DE" dirty="0"/>
               <a:t>Titelmasterformat durch Klicken bearbeiten</a:t>
             </a:r>
             <a:endParaRPr dirty="0"/>
@@ -2449,7 +2428,7 @@
           <a:p>
             <a:pPr lvl="0"/>
             <a:r>
-              <a:rPr lang="de-DE" smtClean="0"/>
+              <a:rPr lang="de-DE"/>
               <a:t>Textmasterformat bearbeiten</a:t>
             </a:r>
           </a:p>
@@ -2582,7 +2561,7 @@
           <a:p>
             <a:pPr lvl="0"/>
             <a:r>
-              <a:rPr lang="de-DE" smtClean="0"/>
+              <a:rPr lang="de-DE"/>
               <a:t>Textmasterformat bearbeiten</a:t>
             </a:r>
           </a:p>
@@ -2715,7 +2694,7 @@
           <a:p>
             <a:pPr lvl="0"/>
             <a:r>
-              <a:rPr lang="de-DE" smtClean="0"/>
+              <a:rPr lang="de-DE"/>
               <a:t>Textmasterformat bearbeiten</a:t>
             </a:r>
           </a:p>
@@ -2804,13 +2783,6 @@
   <p:clrMapOvr>
     <a:masterClrMapping/>
   </p:clrMapOvr>
-  <p:timing>
-    <p:tnLst>
-      <p:par>
-        <p:cTn id="1" dur="indefinite" restart="never" nodeType="tmRoot"/>
-      </p:par>
-    </p:tnLst>
-  </p:timing>
 </p:sldLayout>
 </file>
 
@@ -3148,7 +3120,7 @@
           </a:lstStyle>
           <a:p>
             <a:r>
-              <a:rPr lang="de-DE" dirty="0" smtClean="0"/>
+              <a:rPr lang="de-DE" dirty="0"/>
               <a:t>Titelmasterformat durch Klicken bearbeiten</a:t>
             </a:r>
             <a:endParaRPr dirty="0"/>
@@ -3238,13 +3210,6 @@
   <p:clrMapOvr>
     <a:masterClrMapping/>
   </p:clrMapOvr>
-  <p:timing>
-    <p:tnLst>
-      <p:par>
-        <p:cTn id="1" dur="indefinite" restart="never" nodeType="tmRoot"/>
-      </p:par>
-    </p:tnLst>
-  </p:timing>
 </p:sldLayout>
 </file>
 
@@ -3461,7 +3426,7 @@
           <a:p>
             <a:pPr lvl="0"/>
             <a:r>
-              <a:rPr lang="de-DE" dirty="0" smtClean="0"/>
+              <a:rPr lang="de-DE" dirty="0"/>
               <a:t>Textmasterformat bearbeiten</a:t>
             </a:r>
           </a:p>
@@ -3503,13 +3468,6 @@
   <p:clrMapOvr>
     <a:masterClrMapping/>
   </p:clrMapOvr>
-  <p:timing>
-    <p:tnLst>
-      <p:par>
-        <p:cTn id="1" dur="indefinite" restart="never" nodeType="tmRoot"/>
-      </p:par>
-    </p:tnLst>
-  </p:timing>
 </p:sldLayout>
 </file>
 
@@ -3742,13 +3700,6 @@
   <p:clrMapOvr>
     <a:masterClrMapping/>
   </p:clrMapOvr>
-  <p:timing>
-    <p:tnLst>
-      <p:par>
-        <p:cTn id="1" dur="indefinite" restart="never" nodeType="tmRoot"/>
-      </p:par>
-    </p:tnLst>
-  </p:timing>
 </p:sldLayout>
 </file>
 
@@ -3794,10 +3745,9 @@
           </a:lstStyle>
           <a:p>
             <a:r>
-              <a:rPr lang="de-DE" smtClean="0"/>
+              <a:rPr lang="de-DE"/>
               <a:t>Titelmasterformat durch Klicken bearbeiten</a:t>
             </a:r>
-            <a:endParaRPr lang="de-DE"/>
           </a:p>
         </p:txBody>
       </p:sp>
@@ -3859,10 +3809,9 @@
           </a:lstStyle>
           <a:p>
             <a:r>
-              <a:rPr lang="de-DE" smtClean="0"/>
+              <a:rPr lang="de-DE"/>
               <a:t>Formatvorlage des Untertitelmasters durch Klicken bearbeiten</a:t>
             </a:r>
-            <a:endParaRPr lang="de-DE"/>
           </a:p>
         </p:txBody>
       </p:sp>
@@ -3917,10 +3866,9 @@
           <a:lstStyle/>
           <a:p>
             <a:r>
-              <a:rPr lang="de-DE" smtClean="0"/>
+              <a:rPr lang="de-DE"/>
               <a:t>btrfs vs ext4 - Betriebsysteme - David Kaub, Benedikt Lüken-Winkels</a:t>
             </a:r>
-            <a:endParaRPr lang="de-DE"/>
           </a:p>
         </p:txBody>
       </p:sp>
@@ -3957,13 +3905,6 @@
   <p:clrMapOvr>
     <a:masterClrMapping/>
   </p:clrMapOvr>
-  <p:timing>
-    <p:tnLst>
-      <p:par>
-        <p:cTn id="1" dur="indefinite" restart="never" nodeType="tmRoot"/>
-      </p:par>
-    </p:tnLst>
-  </p:timing>
 </p:sldLayout>
 </file>
 
@@ -4230,7 +4171,7 @@
           </a:lstStyle>
           <a:p>
             <a:r>
-              <a:rPr lang="de-DE" dirty="0" err="1" smtClean="0"/>
+              <a:rPr lang="de-DE" dirty="0" err="1"/>
               <a:t>adsa</a:t>
             </a:r>
             <a:endParaRPr dirty="0"/>
@@ -4672,13 +4613,6 @@
   <p:transition>
     <p:fade thruBlk="1"/>
   </p:transition>
-  <p:timing>
-    <p:tnLst>
-      <p:par>
-        <p:cTn id="1" dur="indefinite" restart="never" nodeType="tmRoot"/>
-      </p:par>
-    </p:tnLst>
-  </p:timing>
   <p:hf hdr="0" dt="0"/>
   <p:txStyles>
     <p:titleStyle>
@@ -5405,10 +5339,9 @@
           <a:lstStyle/>
           <a:p>
             <a:r>
-              <a:rPr lang="de-DE" dirty="0" smtClean="0"/>
+              <a:rPr lang="de-DE" dirty="0"/>
               <a:t>B-Baum - Grundlagen</a:t>
             </a:r>
-            <a:endParaRPr lang="de-DE" dirty="0"/>
           </a:p>
         </p:txBody>
       </p:sp>
@@ -5433,16 +5366,15 @@
           <a:lstStyle/>
           <a:p>
             <a:r>
-              <a:rPr lang="de-DE" dirty="0" smtClean="0"/>
+              <a:rPr lang="de-DE" dirty="0"/>
               <a:t>Balancierte Bäume</a:t>
             </a:r>
           </a:p>
           <a:p>
             <a:r>
-              <a:rPr lang="de-DE" dirty="0" smtClean="0"/>
+              <a:rPr lang="de-DE" dirty="0"/>
               <a:t>Selbstbalancierende…</a:t>
             </a:r>
-            <a:endParaRPr lang="de-DE" dirty="0"/>
           </a:p>
         </p:txBody>
       </p:sp>
@@ -5479,13 +5411,6 @@
   <p:clrMapOvr>
     <a:masterClrMapping/>
   </p:clrMapOvr>
-  <p:timing>
-    <p:tnLst>
-      <p:par>
-        <p:cTn id="1" dur="indefinite" restart="never" nodeType="tmRoot"/>
-      </p:par>
-    </p:tnLst>
-  </p:timing>
 </p:sld>
 </file>
 
@@ -5550,7 +5475,15 @@
             <a:pPr algn="ctr"/>
             <a:r>
               <a:rPr lang="de-DE" sz="2400" dirty="0"/>
-              <a:t>10,11,19</a:t>
+              <a:t>10,11,</a:t>
+            </a:r>
+            <a:r>
+              <a:rPr lang="de-DE" sz="2400" dirty="0">
+                <a:solidFill>
+                  <a:srgbClr val="00B050"/>
+                </a:solidFill>
+              </a:rPr>
+              <a:t>19</a:t>
             </a:r>
           </a:p>
         </p:txBody>
@@ -5571,10 +5504,9 @@
           <a:lstStyle/>
           <a:p>
             <a:r>
-              <a:rPr lang="de-DE" dirty="0" smtClean="0"/>
+              <a:rPr lang="de-DE" dirty="0"/>
               <a:t>B-Baum - Hinzufügen</a:t>
             </a:r>
-            <a:endParaRPr lang="de-DE" dirty="0"/>
           </a:p>
         </p:txBody>
       </p:sp>
@@ -5602,7 +5534,7 @@
               <a:buNone/>
             </a:pPr>
             <a:r>
-              <a:rPr lang="de-DE" sz="1200" dirty="0" smtClean="0"/>
+              <a:rPr lang="de-DE" sz="1200" dirty="0"/>
               <a:t>[</a:t>
             </a:r>
             <a:r>
@@ -5670,7 +5602,7 @@
               <a:t>://doi.org/10.1145/2501620.2501623</a:t>
             </a:r>
             <a:r>
-              <a:rPr lang="en-US" sz="1200" dirty="0" smtClean="0"/>
+              <a:rPr lang="en-US" sz="1200" dirty="0"/>
               <a:t>]</a:t>
             </a:r>
             <a:endParaRPr lang="de-DE" sz="1200" dirty="0"/>
@@ -5738,10 +5670,9 @@
           <a:p>
             <a:pPr algn="ctr"/>
             <a:r>
-              <a:rPr lang="de-DE" sz="2400" dirty="0" smtClean="0"/>
+              <a:rPr lang="de-DE" sz="2400" dirty="0"/>
               <a:t>1,2</a:t>
             </a:r>
-            <a:endParaRPr lang="de-DE" sz="2400" dirty="0"/>
           </a:p>
         </p:txBody>
       </p:sp>
@@ -5783,10 +5714,9 @@
           <a:p>
             <a:pPr algn="ctr"/>
             <a:r>
-              <a:rPr lang="de-DE" sz="2400" dirty="0" smtClean="0"/>
+              <a:rPr lang="de-DE" sz="2400" dirty="0"/>
               <a:t>5,6,7</a:t>
             </a:r>
-            <a:endParaRPr lang="de-DE" sz="2400" dirty="0"/>
           </a:p>
         </p:txBody>
       </p:sp>
@@ -5828,10 +5758,9 @@
           <a:p>
             <a:pPr algn="ctr"/>
             <a:r>
-              <a:rPr lang="de-DE" sz="2400" dirty="0" smtClean="0"/>
+              <a:rPr lang="de-DE" sz="2400" dirty="0"/>
               <a:t>10,11</a:t>
             </a:r>
-            <a:endParaRPr lang="de-DE" sz="2400" dirty="0"/>
           </a:p>
         </p:txBody>
       </p:sp>
@@ -5873,10 +5802,9 @@
           <a:p>
             <a:pPr algn="ctr"/>
             <a:r>
-              <a:rPr lang="de-DE" sz="2400" dirty="0" smtClean="0"/>
+              <a:rPr lang="de-DE" sz="2400" dirty="0"/>
               <a:t>1,4,10</a:t>
             </a:r>
-            <a:endParaRPr lang="de-DE" sz="2400" dirty="0"/>
           </a:p>
         </p:txBody>
       </p:sp>
@@ -6072,10 +6000,9 @@
           <a:p>
             <a:pPr algn="ctr"/>
             <a:r>
-              <a:rPr lang="de-DE" sz="2400" b="1" dirty="0" smtClean="0"/>
+              <a:rPr lang="de-DE" sz="2400" b="1" dirty="0"/>
               <a:t>19</a:t>
             </a:r>
-            <a:endParaRPr lang="de-DE" sz="2400" b="1" dirty="0"/>
           </a:p>
         </p:txBody>
       </p:sp>
@@ -6208,7 +6135,7 @@
         </p:nvSpPr>
         <p:spPr>
           <a:xfrm>
-            <a:off x="10012490" y="4324250"/>
+            <a:off x="9186321" y="4319656"/>
             <a:ext cx="585903" cy="555977"/>
           </a:xfrm>
           <a:prstGeom prst="rect">
@@ -6241,18 +6168,13 @@
           <a:p>
             <a:pPr algn="ctr"/>
             <a:r>
-              <a:rPr lang="de-DE" sz="2400" b="1" dirty="0" smtClean="0">
+              <a:rPr lang="de-DE" sz="2400" b="1" dirty="0">
                 <a:solidFill>
                   <a:srgbClr val="00B050"/>
                 </a:solidFill>
               </a:rPr>
               <a:t>19</a:t>
             </a:r>
-            <a:endParaRPr lang="de-DE" sz="2400" b="1" dirty="0">
-              <a:solidFill>
-                <a:srgbClr val="00B050"/>
-              </a:solidFill>
-            </a:endParaRPr>
           </a:p>
         </p:txBody>
       </p:sp>
@@ -6301,6 +6223,63 @@
             <a:r>
               <a:rPr lang="de-DE" sz="2400" dirty="0"/>
               <a:t>1,4,10</a:t>
+            </a:r>
+          </a:p>
+        </p:txBody>
+      </p:sp>
+      <p:sp>
+        <p:nvSpPr>
+          <p:cNvPr id="20" name="Rechteck 19">
+            <a:extLst>
+              <a:ext uri="{FF2B5EF4-FFF2-40B4-BE49-F238E27FC236}">
+                <a16:creationId xmlns:a16="http://schemas.microsoft.com/office/drawing/2014/main" id="{1426F5AF-5823-44D7-96DD-B43C2B38D7F2}"/>
+              </a:ext>
+            </a:extLst>
+          </p:cNvPr>
+          <p:cNvSpPr/>
+          <p:nvPr/>
+        </p:nvSpPr>
+        <p:spPr>
+          <a:xfrm>
+            <a:off x="10011113" y="4329734"/>
+            <a:ext cx="585903" cy="555977"/>
+          </a:xfrm>
+          <a:prstGeom prst="rect">
+            <a:avLst/>
+          </a:prstGeom>
+          <a:noFill/>
+          <a:ln>
+            <a:noFill/>
+          </a:ln>
+        </p:spPr>
+        <p:style>
+          <a:lnRef idx="2">
+            <a:schemeClr val="accent1">
+              <a:shade val="50000"/>
+            </a:schemeClr>
+          </a:lnRef>
+          <a:fillRef idx="1">
+            <a:schemeClr val="accent1"/>
+          </a:fillRef>
+          <a:effectRef idx="0">
+            <a:schemeClr val="accent1"/>
+          </a:effectRef>
+          <a:fontRef idx="minor">
+            <a:schemeClr val="lt1"/>
+          </a:fontRef>
+        </p:style>
+        <p:txBody>
+          <a:bodyPr rtlCol="0" anchor="ctr"/>
+          <a:lstStyle/>
+          <a:p>
+            <a:pPr algn="ctr"/>
+            <a:r>
+              <a:rPr lang="de-DE" sz="2400" b="1" dirty="0">
+                <a:solidFill>
+                  <a:srgbClr val="00B050"/>
+                </a:solidFill>
+              </a:rPr>
+              <a:t>19</a:t>
             </a:r>
           </a:p>
         </p:txBody>
@@ -6411,30 +6390,21 @@
                             </p:childTnLst>
                           </p:cTn>
                         </p:par>
-                      </p:childTnLst>
-                    </p:cTn>
-                  </p:par>
-                  <p:par>
-                    <p:cTn id="9" fill="hold">
-                      <p:stCondLst>
-                        <p:cond delay="indefinite"/>
-                      </p:stCondLst>
-                      <p:childTnLst>
                         <p:par>
-                          <p:cTn id="10" fill="hold">
+                          <p:cTn id="9" fill="hold">
                             <p:stCondLst>
-                              <p:cond delay="0"/>
+                              <p:cond delay="500"/>
                             </p:stCondLst>
                             <p:childTnLst>
                               <p:par>
-                                <p:cTn id="11" presetID="10" presetClass="entr" presetSubtype="0" fill="hold" nodeType="clickEffect">
+                                <p:cTn id="10" presetID="10" presetClass="entr" presetSubtype="0" fill="hold" nodeType="afterEffect">
                                   <p:stCondLst>
-                                    <p:cond delay="0"/>
+                                    <p:cond delay="500"/>
                                   </p:stCondLst>
                                   <p:childTnLst>
                                     <p:set>
                                       <p:cBhvr>
-                                        <p:cTn id="12" dur="1" fill="hold">
+                                        <p:cTn id="11" dur="1" fill="hold">
                                           <p:stCondLst>
                                             <p:cond delay="0"/>
                                           </p:stCondLst>
@@ -6452,7 +6422,7 @@
                                     </p:set>
                                     <p:animEffect transition="in" filter="fade">
                                       <p:cBhvr>
-                                        <p:cTn id="13" dur="500"/>
+                                        <p:cTn id="12" dur="500"/>
                                         <p:tgtEl>
                                           <p:spTgt spid="88"/>
                                         </p:tgtEl>
@@ -6468,26 +6438,26 @@
                     </p:cTn>
                   </p:par>
                   <p:par>
-                    <p:cTn id="14" fill="hold">
+                    <p:cTn id="13" fill="hold">
                       <p:stCondLst>
                         <p:cond delay="indefinite"/>
                       </p:stCondLst>
                       <p:childTnLst>
                         <p:par>
-                          <p:cTn id="15" fill="hold">
+                          <p:cTn id="14" fill="hold">
                             <p:stCondLst>
                               <p:cond delay="0"/>
                             </p:stCondLst>
                             <p:childTnLst>
                               <p:par>
-                                <p:cTn id="16" presetID="10" presetClass="exit" presetSubtype="0" fill="hold" grpId="1" nodeType="clickEffect">
+                                <p:cTn id="15" presetID="10" presetClass="exit" presetSubtype="0" fill="hold" grpId="1" nodeType="clickEffect">
                                   <p:stCondLst>
                                     <p:cond delay="0"/>
                                   </p:stCondLst>
                                   <p:childTnLst>
                                     <p:animEffect transition="out" filter="fade">
                                       <p:cBhvr>
-                                        <p:cTn id="17" dur="500"/>
+                                        <p:cTn id="16" dur="500"/>
                                         <p:tgtEl>
                                           <p:spTgt spid="86"/>
                                         </p:tgtEl>
@@ -6495,7 +6465,7 @@
                                     </p:animEffect>
                                     <p:set>
                                       <p:cBhvr>
-                                        <p:cTn id="18" dur="1" fill="hold">
+                                        <p:cTn id="17" dur="1" fill="hold">
                                           <p:stCondLst>
                                             <p:cond delay="499"/>
                                           </p:stCondLst>
@@ -6515,14 +6485,14 @@
                                 </p:cTn>
                               </p:par>
                               <p:par>
-                                <p:cTn id="19" presetID="10" presetClass="exit" presetSubtype="0" fill="hold" nodeType="withEffect">
+                                <p:cTn id="18" presetID="10" presetClass="exit" presetSubtype="0" fill="hold" nodeType="withEffect">
                                   <p:stCondLst>
                                     <p:cond delay="0"/>
                                   </p:stCondLst>
                                   <p:childTnLst>
                                     <p:animEffect transition="out" filter="fade">
                                       <p:cBhvr>
-                                        <p:cTn id="20" dur="500"/>
+                                        <p:cTn id="19" dur="500"/>
                                         <p:tgtEl>
                                           <p:spTgt spid="88"/>
                                         </p:tgtEl>
@@ -6530,7 +6500,7 @@
                                     </p:animEffect>
                                     <p:set>
                                       <p:cBhvr>
-                                        <p:cTn id="21" dur="1" fill="hold">
+                                        <p:cTn id="20" dur="1" fill="hold">
                                           <p:stCondLst>
                                             <p:cond delay="499"/>
                                           </p:stCondLst>
@@ -6553,20 +6523,20 @@
                           </p:cTn>
                         </p:par>
                         <p:par>
-                          <p:cTn id="22" fill="hold">
+                          <p:cTn id="21" fill="hold">
                             <p:stCondLst>
                               <p:cond delay="500"/>
                             </p:stCondLst>
                             <p:childTnLst>
                               <p:par>
-                                <p:cTn id="23" presetID="10" presetClass="entr" presetSubtype="0" fill="hold" grpId="0" nodeType="afterEffect">
+                                <p:cTn id="22" presetID="10" presetClass="entr" presetSubtype="0" fill="hold" grpId="0" nodeType="afterEffect">
                                   <p:stCondLst>
                                     <p:cond delay="0"/>
                                   </p:stCondLst>
                                   <p:childTnLst>
                                     <p:set>
                                       <p:cBhvr>
-                                        <p:cTn id="24" dur="1" fill="hold">
+                                        <p:cTn id="23" dur="1" fill="hold">
                                           <p:stCondLst>
                                             <p:cond delay="0"/>
                                           </p:stCondLst>
@@ -6584,7 +6554,7 @@
                                     </p:set>
                                     <p:animEffect transition="in" filter="fade">
                                       <p:cBhvr>
-                                        <p:cTn id="25" dur="500"/>
+                                        <p:cTn id="24" dur="500"/>
                                         <p:tgtEl>
                                           <p:spTgt spid="112"/>
                                         </p:tgtEl>
@@ -6600,32 +6570,67 @@
                     </p:cTn>
                   </p:par>
                   <p:par>
-                    <p:cTn id="26" fill="hold">
+                    <p:cTn id="25" fill="hold">
                       <p:stCondLst>
                         <p:cond delay="indefinite"/>
                       </p:stCondLst>
                       <p:childTnLst>
                         <p:par>
-                          <p:cTn id="27" fill="hold">
+                          <p:cTn id="26" fill="hold">
                             <p:stCondLst>
                               <p:cond delay="0"/>
                             </p:stCondLst>
                             <p:childTnLst>
                               <p:par>
-                                <p:cTn id="28" presetID="10" presetClass="entr" presetSubtype="0" fill="hold" grpId="0" nodeType="clickEffect">
+                                <p:cTn id="27" presetID="10" presetClass="exit" presetSubtype="0" fill="hold" grpId="2" nodeType="clickEffect">
+                                  <p:stCondLst>
+                                    <p:cond delay="0"/>
+                                  </p:stCondLst>
+                                  <p:childTnLst>
+                                    <p:animEffect transition="out" filter="fade">
+                                      <p:cBhvr>
+                                        <p:cTn id="28" dur="500"/>
+                                        <p:tgtEl>
+                                          <p:spTgt spid="112"/>
+                                        </p:tgtEl>
+                                      </p:cBhvr>
+                                    </p:animEffect>
+                                    <p:set>
+                                      <p:cBhvr>
+                                        <p:cTn id="29" dur="1" fill="hold">
+                                          <p:stCondLst>
+                                            <p:cond delay="499"/>
+                                          </p:stCondLst>
+                                        </p:cTn>
+                                        <p:tgtEl>
+                                          <p:spTgt spid="112"/>
+                                        </p:tgtEl>
+                                        <p:attrNameLst>
+                                          <p:attrName>style.visibility</p:attrName>
+                                        </p:attrNameLst>
+                                      </p:cBhvr>
+                                      <p:to>
+                                        <p:strVal val="hidden"/>
+                                      </p:to>
+                                    </p:set>
+                                  </p:childTnLst>
+                                </p:cTn>
+                              </p:par>
+                              <p:par>
+                                <p:cTn id="30" presetID="10" presetClass="entr" presetSubtype="0" fill="hold" grpId="0" nodeType="withEffect">
                                   <p:stCondLst>
                                     <p:cond delay="0"/>
                                   </p:stCondLst>
                                   <p:childTnLst>
                                     <p:set>
                                       <p:cBhvr>
-                                        <p:cTn id="29" dur="1" fill="hold">
+                                        <p:cTn id="31" dur="1" fill="hold">
                                           <p:stCondLst>
                                             <p:cond delay="0"/>
                                           </p:stCondLst>
                                         </p:cTn>
                                         <p:tgtEl>
-                                          <p:spTgt spid="113"/>
+                                          <p:spTgt spid="20"/>
                                         </p:tgtEl>
                                         <p:attrNameLst>
                                           <p:attrName>style.visibility</p:attrName>
@@ -6637,9 +6642,9 @@
                                     </p:set>
                                     <p:animEffect transition="in" filter="fade">
                                       <p:cBhvr>
-                                        <p:cTn id="30" dur="500"/>
+                                        <p:cTn id="32" dur="500"/>
                                         <p:tgtEl>
-                                          <p:spTgt spid="113"/>
+                                          <p:spTgt spid="20"/>
                                         </p:tgtEl>
                                       </p:cBhvr>
                                     </p:animEffect>
@@ -6650,20 +6655,20 @@
                           </p:cTn>
                         </p:par>
                         <p:par>
-                          <p:cTn id="31" fill="hold">
+                          <p:cTn id="33" fill="hold">
                             <p:stCondLst>
                               <p:cond delay="500"/>
                             </p:stCondLst>
                             <p:childTnLst>
                               <p:par>
-                                <p:cTn id="32" presetID="10" presetClass="entr" presetSubtype="0" fill="hold" grpId="0" nodeType="afterEffect">
+                                <p:cTn id="34" presetID="10" presetClass="entr" presetSubtype="0" fill="hold" grpId="0" nodeType="afterEffect">
                                   <p:stCondLst>
                                     <p:cond delay="0"/>
                                   </p:stCondLst>
                                   <p:childTnLst>
                                     <p:set>
                                       <p:cBhvr>
-                                        <p:cTn id="33" dur="1" fill="hold">
+                                        <p:cTn id="35" dur="1" fill="hold">
                                           <p:stCondLst>
                                             <p:cond delay="0"/>
                                           </p:stCondLst>
@@ -6681,7 +6686,7 @@
                                     </p:set>
                                     <p:animEffect transition="in" filter="fade">
                                       <p:cBhvr>
-                                        <p:cTn id="34" dur="500"/>
+                                        <p:cTn id="36" dur="500"/>
                                         <p:tgtEl>
                                           <p:spTgt spid="114"/>
                                         </p:tgtEl>
@@ -6691,14 +6696,14 @@
                                 </p:cTn>
                               </p:par>
                               <p:par>
-                                <p:cTn id="35" presetID="10" presetClass="exit" presetSubtype="0" fill="hold" grpId="1" nodeType="withEffect">
+                                <p:cTn id="37" presetID="10" presetClass="exit" presetSubtype="0" fill="hold" grpId="1" nodeType="withEffect">
                                   <p:stCondLst>
                                     <p:cond delay="0"/>
                                   </p:stCondLst>
                                   <p:childTnLst>
                                     <p:animEffect transition="out" filter="fade">
                                       <p:cBhvr>
-                                        <p:cTn id="36" dur="500"/>
+                                        <p:cTn id="38" dur="500"/>
                                         <p:tgtEl>
                                           <p:spTgt spid="112"/>
                                         </p:tgtEl>
@@ -6706,7 +6711,7 @@
                                     </p:animEffect>
                                     <p:set>
                                       <p:cBhvr>
-                                        <p:cTn id="37" dur="1" fill="hold">
+                                        <p:cTn id="39" dur="1" fill="hold">
                                           <p:stCondLst>
                                             <p:cond delay="499"/>
                                           </p:stCondLst>
@@ -6728,21 +6733,74 @@
                             </p:childTnLst>
                           </p:cTn>
                         </p:par>
+                      </p:childTnLst>
+                    </p:cTn>
+                  </p:par>
+                  <p:par>
+                    <p:cTn id="40" fill="hold">
+                      <p:stCondLst>
+                        <p:cond delay="indefinite"/>
+                      </p:stCondLst>
+                      <p:childTnLst>
                         <p:par>
-                          <p:cTn id="38" fill="hold">
+                          <p:cTn id="41" fill="hold">
                             <p:stCondLst>
-                              <p:cond delay="1000"/>
+                              <p:cond delay="0"/>
                             </p:stCondLst>
                             <p:childTnLst>
                               <p:par>
-                                <p:cTn id="39" presetID="10" presetClass="entr" presetSubtype="0" fill="hold" nodeType="afterEffect">
+                                <p:cTn id="42" presetID="10" presetClass="entr" presetSubtype="0" fill="hold" grpId="0" nodeType="clickEffect">
                                   <p:stCondLst>
                                     <p:cond delay="0"/>
                                   </p:stCondLst>
                                   <p:childTnLst>
                                     <p:set>
                                       <p:cBhvr>
-                                        <p:cTn id="40" dur="1" fill="hold">
+                                        <p:cTn id="43" dur="1" fill="hold">
+                                          <p:stCondLst>
+                                            <p:cond delay="0"/>
+                                          </p:stCondLst>
+                                        </p:cTn>
+                                        <p:tgtEl>
+                                          <p:spTgt spid="113"/>
+                                        </p:tgtEl>
+                                        <p:attrNameLst>
+                                          <p:attrName>style.visibility</p:attrName>
+                                        </p:attrNameLst>
+                                      </p:cBhvr>
+                                      <p:to>
+                                        <p:strVal val="visible"/>
+                                      </p:to>
+                                    </p:set>
+                                    <p:animEffect transition="in" filter="fade">
+                                      <p:cBhvr>
+                                        <p:cTn id="44" dur="500"/>
+                                        <p:tgtEl>
+                                          <p:spTgt spid="113"/>
+                                        </p:tgtEl>
+                                      </p:cBhvr>
+                                    </p:animEffect>
+                                  </p:childTnLst>
+                                </p:cTn>
+                              </p:par>
+                            </p:childTnLst>
+                          </p:cTn>
+                        </p:par>
+                        <p:par>
+                          <p:cTn id="45" fill="hold">
+                            <p:stCondLst>
+                              <p:cond delay="500"/>
+                            </p:stCondLst>
+                            <p:childTnLst>
+                              <p:par>
+                                <p:cTn id="46" presetID="10" presetClass="entr" presetSubtype="0" fill="hold" nodeType="afterEffect">
+                                  <p:stCondLst>
+                                    <p:cond delay="0"/>
+                                  </p:stCondLst>
+                                  <p:childTnLst>
+                                    <p:set>
+                                      <p:cBhvr>
+                                        <p:cTn id="47" dur="1" fill="hold">
                                           <p:stCondLst>
                                             <p:cond delay="0"/>
                                           </p:stCondLst>
@@ -6760,7 +6818,7 @@
                                     </p:set>
                                     <p:animEffect transition="in" filter="fade">
                                       <p:cBhvr>
-                                        <p:cTn id="41" dur="500"/>
+                                        <p:cTn id="48" dur="500"/>
                                         <p:tgtEl>
                                           <p:spTgt spid="70"/>
                                         </p:tgtEl>
@@ -6770,14 +6828,14 @@
                                 </p:cTn>
                               </p:par>
                               <p:par>
-                                <p:cTn id="42" presetID="10" presetClass="entr" presetSubtype="0" fill="hold" nodeType="withEffect">
+                                <p:cTn id="49" presetID="10" presetClass="entr" presetSubtype="0" fill="hold" nodeType="withEffect">
                                   <p:stCondLst>
                                     <p:cond delay="0"/>
                                   </p:stCondLst>
                                   <p:childTnLst>
                                     <p:set>
                                       <p:cBhvr>
-                                        <p:cTn id="43" dur="1" fill="hold">
+                                        <p:cTn id="50" dur="1" fill="hold">
                                           <p:stCondLst>
                                             <p:cond delay="0"/>
                                           </p:stCondLst>
@@ -6795,7 +6853,7 @@
                                     </p:set>
                                     <p:animEffect transition="in" filter="fade">
                                       <p:cBhvr>
-                                        <p:cTn id="44" dur="500"/>
+                                        <p:cTn id="51" dur="500"/>
                                         <p:tgtEl>
                                           <p:spTgt spid="102"/>
                                         </p:tgtEl>
@@ -6805,14 +6863,14 @@
                                 </p:cTn>
                               </p:par>
                               <p:par>
-                                <p:cTn id="45" presetID="10" presetClass="entr" presetSubtype="0" fill="hold" nodeType="withEffect">
+                                <p:cTn id="52" presetID="10" presetClass="entr" presetSubtype="0" fill="hold" nodeType="withEffect">
                                   <p:stCondLst>
                                     <p:cond delay="0"/>
                                   </p:stCondLst>
                                   <p:childTnLst>
                                     <p:set>
                                       <p:cBhvr>
-                                        <p:cTn id="46" dur="1" fill="hold">
+                                        <p:cTn id="53" dur="1" fill="hold">
                                           <p:stCondLst>
                                             <p:cond delay="0"/>
                                           </p:stCondLst>
@@ -6830,12 +6888,56 @@
                                     </p:set>
                                     <p:animEffect transition="in" filter="fade">
                                       <p:cBhvr>
-                                        <p:cTn id="47" dur="500"/>
+                                        <p:cTn id="54" dur="500"/>
                                         <p:tgtEl>
                                           <p:spTgt spid="94"/>
                                         </p:tgtEl>
                                       </p:cBhvr>
                                     </p:animEffect>
+                                  </p:childTnLst>
+                                </p:cTn>
+                              </p:par>
+                            </p:childTnLst>
+                          </p:cTn>
+                        </p:par>
+                        <p:par>
+                          <p:cTn id="55" fill="hold">
+                            <p:stCondLst>
+                              <p:cond delay="1000"/>
+                            </p:stCondLst>
+                            <p:childTnLst>
+                              <p:par>
+                                <p:cTn id="56" presetID="10" presetClass="exit" presetSubtype="0" fill="hold" grpId="1" nodeType="afterEffect">
+                                  <p:stCondLst>
+                                    <p:cond delay="500"/>
+                                  </p:stCondLst>
+                                  <p:childTnLst>
+                                    <p:animEffect transition="out" filter="fade">
+                                      <p:cBhvr>
+                                        <p:cTn id="57" dur="500"/>
+                                        <p:tgtEl>
+                                          <p:spTgt spid="20"/>
+                                        </p:tgtEl>
+                                      </p:cBhvr>
+                                    </p:animEffect>
+                                    <p:set>
+                                      <p:cBhvr>
+                                        <p:cTn id="58" dur="1" fill="hold">
+                                          <p:stCondLst>
+                                            <p:cond delay="499"/>
+                                          </p:stCondLst>
+                                        </p:cTn>
+                                        <p:tgtEl>
+                                          <p:spTgt spid="20"/>
+                                        </p:tgtEl>
+                                        <p:attrNameLst>
+                                          <p:attrName>style.visibility</p:attrName>
+                                        </p:attrNameLst>
+                                      </p:cBhvr>
+                                      <p:to>
+                                        <p:strVal val="hidden"/>
+                                      </p:to>
+                                    </p:set>
                                   </p:childTnLst>
                                 </p:cTn>
                               </p:par>
@@ -6872,7 +6974,10 @@
       <p:bldP spid="86" grpId="1" animBg="1"/>
       <p:bldP spid="112" grpId="0"/>
       <p:bldP spid="112" grpId="1"/>
+      <p:bldP spid="112" grpId="2"/>
       <p:bldP spid="113" grpId="0" animBg="1"/>
+      <p:bldP spid="20" grpId="0"/>
+      <p:bldP spid="20" grpId="1"/>
     </p:bldLst>
   </p:timing>
 </p:sld>
@@ -6911,10 +7016,9 @@
           <a:lstStyle/>
           <a:p>
             <a:r>
-              <a:rPr lang="de-DE" dirty="0" smtClean="0"/>
+              <a:rPr lang="de-DE" dirty="0"/>
               <a:t>B-Baum - Löschen</a:t>
             </a:r>
-            <a:endParaRPr lang="de-DE" dirty="0"/>
           </a:p>
         </p:txBody>
       </p:sp>
@@ -6942,7 +7046,7 @@
               <a:buNone/>
             </a:pPr>
             <a:r>
-              <a:rPr lang="de-DE" sz="1200" dirty="0" smtClean="0"/>
+              <a:rPr lang="de-DE" sz="1200" dirty="0"/>
               <a:t>[</a:t>
             </a:r>
             <a:r>
@@ -7010,7 +7114,7 @@
               <a:t>://doi.org/10.1145/2501620.2501623</a:t>
             </a:r>
             <a:r>
-              <a:rPr lang="en-US" sz="1200" dirty="0" smtClean="0"/>
+              <a:rPr lang="en-US" sz="1200" dirty="0"/>
               <a:t>]</a:t>
             </a:r>
             <a:endParaRPr lang="de-DE" sz="1200" dirty="0"/>
@@ -7078,10 +7182,9 @@
           <a:p>
             <a:pPr algn="ctr"/>
             <a:r>
-              <a:rPr lang="de-DE" sz="2400" dirty="0" smtClean="0"/>
+              <a:rPr lang="de-DE" sz="2400" dirty="0"/>
               <a:t>1,2</a:t>
             </a:r>
-            <a:endParaRPr lang="de-DE" sz="2400" dirty="0"/>
           </a:p>
         </p:txBody>
       </p:sp>
@@ -7123,10 +7226,9 @@
           <a:p>
             <a:pPr algn="ctr"/>
             <a:r>
-              <a:rPr lang="de-DE" sz="2400" dirty="0" smtClean="0"/>
+              <a:rPr lang="de-DE" sz="2400" dirty="0"/>
               <a:t>5,6,7</a:t>
             </a:r>
-            <a:endParaRPr lang="de-DE" sz="2400" dirty="0"/>
           </a:p>
         </p:txBody>
       </p:sp>
@@ -7168,10 +7270,9 @@
           <a:p>
             <a:pPr algn="ctr"/>
             <a:r>
-              <a:rPr lang="de-DE" sz="2400" dirty="0" smtClean="0"/>
+              <a:rPr lang="de-DE" sz="2400" dirty="0"/>
               <a:t>10,11</a:t>
             </a:r>
-            <a:endParaRPr lang="de-DE" sz="2400" dirty="0"/>
           </a:p>
         </p:txBody>
       </p:sp>
@@ -7213,10 +7314,9 @@
           <a:p>
             <a:pPr algn="ctr"/>
             <a:r>
-              <a:rPr lang="de-DE" sz="2400" dirty="0" smtClean="0"/>
+              <a:rPr lang="de-DE" sz="2400" dirty="0"/>
               <a:t>1,4,10</a:t>
             </a:r>
-            <a:endParaRPr lang="de-DE" sz="2400" dirty="0"/>
           </a:p>
         </p:txBody>
       </p:sp>
@@ -7371,18 +7471,13 @@
           <a:p>
             <a:pPr algn="ctr"/>
             <a:r>
-              <a:rPr lang="de-DE" sz="2400" b="1" dirty="0" smtClean="0">
+              <a:rPr lang="de-DE" sz="2400" b="1" dirty="0">
                 <a:solidFill>
                   <a:srgbClr val="C00000"/>
                 </a:solidFill>
               </a:rPr>
               <a:t>6</a:t>
             </a:r>
-            <a:endParaRPr lang="de-DE" sz="2400" b="1" dirty="0">
-              <a:solidFill>
-                <a:srgbClr val="C00000"/>
-              </a:solidFill>
-            </a:endParaRPr>
           </a:p>
         </p:txBody>
       </p:sp>
@@ -7468,18 +7563,13 @@
           <a:p>
             <a:pPr algn="ctr"/>
             <a:r>
-              <a:rPr lang="de-DE" sz="2400" b="1" dirty="0" smtClean="0">
+              <a:rPr lang="de-DE" sz="2400" b="1" dirty="0">
                 <a:solidFill>
                   <a:srgbClr val="C00000"/>
                 </a:solidFill>
               </a:rPr>
               <a:t>6</a:t>
             </a:r>
-            <a:endParaRPr lang="de-DE" sz="2400" b="1" dirty="0">
-              <a:solidFill>
-                <a:srgbClr val="C00000"/>
-              </a:solidFill>
-            </a:endParaRPr>
           </a:p>
         </p:txBody>
       </p:sp>
@@ -7575,10 +7665,9 @@
           <a:p>
             <a:pPr algn="ctr"/>
             <a:r>
-              <a:rPr lang="de-DE" sz="2400" dirty="0" smtClean="0"/>
+              <a:rPr lang="de-DE" sz="2400" dirty="0"/>
               <a:t>5,7</a:t>
             </a:r>
-            <a:endParaRPr lang="de-DE" sz="2400" dirty="0"/>
           </a:p>
         </p:txBody>
       </p:sp>
@@ -7743,10 +7832,9 @@
           <a:p>
             <a:pPr algn="ctr"/>
             <a:r>
-              <a:rPr lang="de-DE" sz="2400" dirty="0" smtClean="0"/>
+              <a:rPr lang="de-DE" sz="2400" dirty="0"/>
               <a:t>10,11</a:t>
             </a:r>
-            <a:endParaRPr lang="de-DE" sz="2400" dirty="0"/>
           </a:p>
         </p:txBody>
       </p:sp>
@@ -8548,10 +8636,9 @@
           <a:lstStyle/>
           <a:p>
             <a:r>
-              <a:rPr lang="de-DE" dirty="0" smtClean="0"/>
-              <a:t>B-Baum - Hinzufügen</a:t>
-            </a:r>
-            <a:endParaRPr lang="de-DE" dirty="0"/>
+              <a:rPr lang="de-DE" dirty="0"/>
+              <a:t>B-Baum – Kopieren (COW)</a:t>
+            </a:r>
           </a:p>
         </p:txBody>
       </p:sp>
@@ -8579,7 +8666,7 @@
               <a:buNone/>
             </a:pPr>
             <a:r>
-              <a:rPr lang="de-DE" sz="1200" dirty="0" smtClean="0"/>
+              <a:rPr lang="de-DE" sz="1200" dirty="0"/>
               <a:t>[</a:t>
             </a:r>
             <a:r>
@@ -8647,7 +8734,7 @@
               <a:t>://doi.org/10.1145/2501620.2501623</a:t>
             </a:r>
             <a:r>
-              <a:rPr lang="en-US" sz="1200" dirty="0" smtClean="0"/>
+              <a:rPr lang="en-US" sz="1200" dirty="0"/>
               <a:t>]</a:t>
             </a:r>
             <a:endParaRPr lang="de-DE" sz="1200" dirty="0"/>
@@ -8685,7 +8772,7 @@
         </p:nvSpPr>
         <p:spPr>
           <a:xfrm>
-            <a:off x="2320908" y="4197371"/>
+            <a:off x="3792521" y="4501943"/>
             <a:ext cx="1371743" cy="809736"/>
           </a:xfrm>
           <a:prstGeom prst="rect">
@@ -8715,10 +8802,9 @@
           <a:p>
             <a:pPr algn="ctr"/>
             <a:r>
-              <a:rPr lang="de-DE" sz="2400" dirty="0" smtClean="0"/>
-              <a:t>1,2</a:t>
-            </a:r>
-            <a:endParaRPr lang="de-DE" sz="2400" dirty="0"/>
+              <a:rPr lang="de-DE" sz="2400" dirty="0"/>
+              <a:t>E,1</a:t>
+            </a:r>
           </a:p>
         </p:txBody>
       </p:sp>
@@ -8730,7 +8816,7 @@
         </p:nvSpPr>
         <p:spPr>
           <a:xfrm>
-            <a:off x="4646498" y="4197371"/>
+            <a:off x="6118111" y="4501943"/>
             <a:ext cx="1371743" cy="809736"/>
           </a:xfrm>
           <a:prstGeom prst="rect">
@@ -8760,10 +8846,9 @@
           <a:p>
             <a:pPr algn="ctr"/>
             <a:r>
-              <a:rPr lang="de-DE" sz="2400" dirty="0" smtClean="0"/>
-              <a:t>5,6,7</a:t>
-            </a:r>
-            <a:endParaRPr lang="de-DE" sz="2400" dirty="0"/>
+              <a:rPr lang="de-DE" sz="2400" dirty="0"/>
+              <a:t>G,1</a:t>
+            </a:r>
           </a:p>
         </p:txBody>
       </p:sp>
@@ -8775,7 +8860,7 @@
         </p:nvSpPr>
         <p:spPr>
           <a:xfrm>
-            <a:off x="6969970" y="4197371"/>
+            <a:off x="8441579" y="4501943"/>
             <a:ext cx="1371743" cy="809736"/>
           </a:xfrm>
           <a:prstGeom prst="rect">
@@ -8805,10 +8890,9 @@
           <a:p>
             <a:pPr algn="ctr"/>
             <a:r>
-              <a:rPr lang="de-DE" sz="2400" dirty="0" smtClean="0"/>
-              <a:t>10,11</a:t>
-            </a:r>
-            <a:endParaRPr lang="de-DE" sz="2400" dirty="0"/>
+              <a:rPr lang="de-DE" sz="2400" dirty="0"/>
+              <a:t>H,1</a:t>
+            </a:r>
           </a:p>
         </p:txBody>
       </p:sp>
@@ -8820,7 +8904,7 @@
         </p:nvSpPr>
         <p:spPr>
           <a:xfrm>
-            <a:off x="4646497" y="2467421"/>
+            <a:off x="6115989" y="3085280"/>
             <a:ext cx="1371743" cy="809736"/>
           </a:xfrm>
           <a:prstGeom prst="rect">
@@ -8850,10 +8934,9 @@
           <a:p>
             <a:pPr algn="ctr"/>
             <a:r>
-              <a:rPr lang="de-DE" sz="2400" dirty="0" smtClean="0"/>
-              <a:t>1,4,10</a:t>
-            </a:r>
-            <a:endParaRPr lang="de-DE" sz="2400" dirty="0"/>
+              <a:rPr lang="de-DE" sz="2400" dirty="0"/>
+              <a:t>C,1</a:t>
+            </a:r>
           </a:p>
         </p:txBody>
       </p:sp>
@@ -8868,44 +8951,8 @@
         </p:nvCxnSpPr>
         <p:spPr>
           <a:xfrm rot="16200000" flipH="1">
-            <a:off x="6033998" y="2575527"/>
-            <a:ext cx="920214" cy="2323473"/>
-          </a:xfrm>
-          <a:prstGeom prst="bentConnector3">
-            <a:avLst/>
-          </a:prstGeom>
-          <a:ln w="22225">
-            <a:tailEnd type="triangle"/>
-          </a:ln>
-        </p:spPr>
-        <p:style>
-          <a:lnRef idx="1">
-            <a:schemeClr val="accent1"/>
-          </a:lnRef>
-          <a:fillRef idx="0">
-            <a:schemeClr val="accent1"/>
-          </a:fillRef>
-          <a:effectRef idx="0">
-            <a:schemeClr val="accent1"/>
-          </a:effectRef>
-          <a:fontRef idx="minor">
-            <a:schemeClr val="tx1"/>
-          </a:fontRef>
-        </p:style>
-      </p:cxnSp>
-      <p:cxnSp>
-        <p:nvCxnSpPr>
-          <p:cNvPr id="54" name="Gewinkelte Verbindung 53"/>
-          <p:cNvCxnSpPr>
-            <a:stCxn id="8" idx="2"/>
-            <a:endCxn id="5" idx="0"/>
-          </p:cNvCxnSpPr>
-          <p:nvPr/>
-        </p:nvCxnSpPr>
-        <p:spPr>
-          <a:xfrm rot="5400000">
-            <a:off x="3709468" y="2574470"/>
-            <a:ext cx="920214" cy="2325589"/>
+            <a:off x="7661193" y="3035684"/>
+            <a:ext cx="606927" cy="2325590"/>
           </a:xfrm>
           <a:prstGeom prst="bentConnector3">
             <a:avLst/>
@@ -8940,8 +8987,8 @@
         </p:nvCxnSpPr>
         <p:spPr>
           <a:xfrm rot="16200000" flipH="1">
-            <a:off x="4872262" y="3737263"/>
-            <a:ext cx="920214" cy="1"/>
+            <a:off x="6499459" y="4197418"/>
+            <a:ext cx="606927" cy="2122"/>
           </a:xfrm>
           <a:prstGeom prst="bentConnector3">
             <a:avLst/>
@@ -8967,16 +9014,262 @@
       </p:cxnSp>
       <p:sp>
         <p:nvSpPr>
-          <p:cNvPr id="64" name="Sechseck 63"/>
+          <p:cNvPr id="23" name="Rechteck 22">
+            <a:extLst>
+              <a:ext uri="{FF2B5EF4-FFF2-40B4-BE49-F238E27FC236}">
+                <a16:creationId xmlns:a16="http://schemas.microsoft.com/office/drawing/2014/main" id="{17CDCA1F-605D-4DDB-8348-AADD9D3694E4}"/>
+              </a:ext>
+            </a:extLst>
+          </p:cNvPr>
           <p:cNvSpPr/>
           <p:nvPr/>
         </p:nvSpPr>
         <p:spPr>
           <a:xfrm>
-            <a:off x="6820729" y="2467421"/>
-            <a:ext cx="1670225" cy="809735"/>
+            <a:off x="1469053" y="4494823"/>
+            <a:ext cx="1371743" cy="809736"/>
           </a:xfrm>
-          <a:prstGeom prst="hexagon">
+          <a:prstGeom prst="rect">
+            <a:avLst/>
+          </a:prstGeom>
+          <a:noFill/>
+        </p:spPr>
+        <p:style>
+          <a:lnRef idx="2">
+            <a:schemeClr val="accent1">
+              <a:shade val="50000"/>
+            </a:schemeClr>
+          </a:lnRef>
+          <a:fillRef idx="1">
+            <a:schemeClr val="accent1"/>
+          </a:fillRef>
+          <a:effectRef idx="0">
+            <a:schemeClr val="accent1"/>
+          </a:effectRef>
+          <a:fontRef idx="minor">
+            <a:schemeClr val="lt1"/>
+          </a:fontRef>
+        </p:style>
+        <p:txBody>
+          <a:bodyPr rtlCol="0" anchor="ctr"/>
+          <a:lstStyle/>
+          <a:p>
+            <a:pPr algn="ctr"/>
+            <a:r>
+              <a:rPr lang="de-DE" sz="2400" dirty="0"/>
+              <a:t>D,1</a:t>
+            </a:r>
+          </a:p>
+        </p:txBody>
+      </p:sp>
+      <p:sp>
+        <p:nvSpPr>
+          <p:cNvPr id="24" name="Rechteck 23">
+            <a:extLst>
+              <a:ext uri="{FF2B5EF4-FFF2-40B4-BE49-F238E27FC236}">
+                <a16:creationId xmlns:a16="http://schemas.microsoft.com/office/drawing/2014/main" id="{6AE87A4E-BE06-4605-BC1E-5CCB41C5FD6E}"/>
+              </a:ext>
+            </a:extLst>
+          </p:cNvPr>
+          <p:cNvSpPr/>
+          <p:nvPr/>
+        </p:nvSpPr>
+        <p:spPr>
+          <a:xfrm>
+            <a:off x="3792520" y="3080166"/>
+            <a:ext cx="1371743" cy="809736"/>
+          </a:xfrm>
+          <a:prstGeom prst="rect">
+            <a:avLst/>
+          </a:prstGeom>
+          <a:noFill/>
+        </p:spPr>
+        <p:style>
+          <a:lnRef idx="2">
+            <a:schemeClr val="accent1">
+              <a:shade val="50000"/>
+            </a:schemeClr>
+          </a:lnRef>
+          <a:fillRef idx="1">
+            <a:schemeClr val="accent1"/>
+          </a:fillRef>
+          <a:effectRef idx="0">
+            <a:schemeClr val="accent1"/>
+          </a:effectRef>
+          <a:fontRef idx="minor">
+            <a:schemeClr val="lt1"/>
+          </a:fontRef>
+        </p:style>
+        <p:txBody>
+          <a:bodyPr rtlCol="0" anchor="ctr"/>
+          <a:lstStyle/>
+          <a:p>
+            <a:pPr algn="ctr"/>
+            <a:r>
+              <a:rPr lang="de-DE" sz="2400" dirty="0"/>
+              <a:t>B,1</a:t>
+            </a:r>
+          </a:p>
+        </p:txBody>
+      </p:sp>
+      <p:cxnSp>
+        <p:nvCxnSpPr>
+          <p:cNvPr id="13" name="Verbinder: gewinkelt 12">
+            <a:extLst>
+              <a:ext uri="{FF2B5EF4-FFF2-40B4-BE49-F238E27FC236}">
+                <a16:creationId xmlns:a16="http://schemas.microsoft.com/office/drawing/2014/main" id="{C9EFF094-FB87-45CA-9711-C34C505F8134}"/>
+              </a:ext>
+            </a:extLst>
+          </p:cNvPr>
+          <p:cNvCxnSpPr>
+            <a:stCxn id="24" idx="2"/>
+            <a:endCxn id="23" idx="0"/>
+          </p:cNvCxnSpPr>
+          <p:nvPr/>
+        </p:nvCxnSpPr>
+        <p:spPr>
+          <a:xfrm rot="5400000">
+            <a:off x="3014199" y="3030629"/>
+            <a:ext cx="604921" cy="2323467"/>
+          </a:xfrm>
+          <a:prstGeom prst="bentConnector3">
+            <a:avLst/>
+          </a:prstGeom>
+          <a:ln w="22225">
+            <a:solidFill>
+              <a:schemeClr val="accent1"/>
+            </a:solidFill>
+            <a:tailEnd type="triangle"/>
+          </a:ln>
+        </p:spPr>
+        <p:style>
+          <a:lnRef idx="1">
+            <a:schemeClr val="accent1"/>
+          </a:lnRef>
+          <a:fillRef idx="0">
+            <a:schemeClr val="accent1"/>
+          </a:fillRef>
+          <a:effectRef idx="0">
+            <a:schemeClr val="accent1"/>
+          </a:effectRef>
+          <a:fontRef idx="minor">
+            <a:schemeClr val="tx1"/>
+          </a:fontRef>
+        </p:style>
+      </p:cxnSp>
+      <p:cxnSp>
+        <p:nvCxnSpPr>
+          <p:cNvPr id="15" name="Verbinder: gewinkelt 14">
+            <a:extLst>
+              <a:ext uri="{FF2B5EF4-FFF2-40B4-BE49-F238E27FC236}">
+                <a16:creationId xmlns:a16="http://schemas.microsoft.com/office/drawing/2014/main" id="{AFD5C63C-B356-4BEB-A89E-0808CCDC2907}"/>
+              </a:ext>
+            </a:extLst>
+          </p:cNvPr>
+          <p:cNvCxnSpPr>
+            <a:stCxn id="24" idx="2"/>
+            <a:endCxn id="5" idx="0"/>
+          </p:cNvCxnSpPr>
+          <p:nvPr/>
+        </p:nvCxnSpPr>
+        <p:spPr>
+          <a:xfrm rot="16200000" flipH="1">
+            <a:off x="4172372" y="4195921"/>
+            <a:ext cx="612041" cy="1"/>
+          </a:xfrm>
+          <a:prstGeom prst="bentConnector3">
+            <a:avLst/>
+          </a:prstGeom>
+          <a:ln w="22225">
+            <a:solidFill>
+              <a:schemeClr val="accent1"/>
+            </a:solidFill>
+            <a:tailEnd type="triangle"/>
+          </a:ln>
+        </p:spPr>
+        <p:style>
+          <a:lnRef idx="1">
+            <a:schemeClr val="accent1"/>
+          </a:lnRef>
+          <a:fillRef idx="0">
+            <a:schemeClr val="accent1"/>
+          </a:fillRef>
+          <a:effectRef idx="0">
+            <a:schemeClr val="accent1"/>
+          </a:effectRef>
+          <a:fontRef idx="minor">
+            <a:schemeClr val="tx1"/>
+          </a:fontRef>
+        </p:style>
+      </p:cxnSp>
+      <p:sp>
+        <p:nvSpPr>
+          <p:cNvPr id="31" name="Rechteck 30">
+            <a:extLst>
+              <a:ext uri="{FF2B5EF4-FFF2-40B4-BE49-F238E27FC236}">
+                <a16:creationId xmlns:a16="http://schemas.microsoft.com/office/drawing/2014/main" id="{93D3346A-171B-452B-9140-95F6DB8DE9C5}"/>
+              </a:ext>
+            </a:extLst>
+          </p:cNvPr>
+          <p:cNvSpPr/>
+          <p:nvPr/>
+        </p:nvSpPr>
+        <p:spPr>
+          <a:xfrm>
+            <a:off x="4955408" y="1739490"/>
+            <a:ext cx="1371743" cy="809736"/>
+          </a:xfrm>
+          <a:prstGeom prst="rect">
+            <a:avLst/>
+          </a:prstGeom>
+          <a:noFill/>
+        </p:spPr>
+        <p:style>
+          <a:lnRef idx="2">
+            <a:schemeClr val="accent1">
+              <a:shade val="50000"/>
+            </a:schemeClr>
+          </a:lnRef>
+          <a:fillRef idx="1">
+            <a:schemeClr val="accent1"/>
+          </a:fillRef>
+          <a:effectRef idx="0">
+            <a:schemeClr val="accent1"/>
+          </a:effectRef>
+          <a:fontRef idx="minor">
+            <a:schemeClr val="lt1"/>
+          </a:fontRef>
+        </p:style>
+        <p:txBody>
+          <a:bodyPr rtlCol="0" anchor="ctr"/>
+          <a:lstStyle/>
+          <a:p>
+            <a:pPr algn="ctr"/>
+            <a:r>
+              <a:rPr lang="de-DE" sz="2400" dirty="0"/>
+              <a:t>P,1</a:t>
+            </a:r>
+          </a:p>
+        </p:txBody>
+      </p:sp>
+      <p:sp>
+        <p:nvSpPr>
+          <p:cNvPr id="39" name="Parallelogramm 38">
+            <a:extLst>
+              <a:ext uri="{FF2B5EF4-FFF2-40B4-BE49-F238E27FC236}">
+                <a16:creationId xmlns:a16="http://schemas.microsoft.com/office/drawing/2014/main" id="{878740FF-C9F4-4BC8-89CD-E11894A75CAF}"/>
+              </a:ext>
+            </a:extLst>
+          </p:cNvPr>
+          <p:cNvSpPr/>
+          <p:nvPr/>
+        </p:nvSpPr>
+        <p:spPr>
+          <a:xfrm>
+            <a:off x="7293769" y="1741351"/>
+            <a:ext cx="1371743" cy="806122"/>
+          </a:xfrm>
+          <a:prstGeom prst="parallelogram">
             <a:avLst/>
           </a:prstGeom>
           <a:noFill/>
@@ -9008,77 +9301,129 @@
           <a:p>
             <a:pPr algn="ctr"/>
             <a:r>
-              <a:rPr lang="de-DE" sz="2400" dirty="0" smtClean="0"/>
-              <a:t>1,4,10</a:t>
-            </a:r>
-            <a:endParaRPr lang="de-DE" sz="2400" dirty="0"/>
-          </a:p>
-        </p:txBody>
-      </p:sp>
-      <p:sp>
-        <p:nvSpPr>
-          <p:cNvPr id="65" name="Sechseck 64"/>
-          <p:cNvSpPr/>
-          <p:nvPr/>
-        </p:nvSpPr>
-        <p:spPr>
-          <a:xfrm>
-            <a:off x="9180945" y="4197371"/>
-            <a:ext cx="1782619" cy="809736"/>
-          </a:xfrm>
-          <a:prstGeom prst="hexagon">
-            <a:avLst/>
-          </a:prstGeom>
-          <a:noFill/>
-          <a:ln>
-            <a:solidFill>
-              <a:srgbClr val="00B050"/>
-            </a:solidFill>
-          </a:ln>
-        </p:spPr>
-        <p:style>
-          <a:lnRef idx="2">
-            <a:schemeClr val="accent1">
-              <a:shade val="50000"/>
-            </a:schemeClr>
-          </a:lnRef>
-          <a:fillRef idx="1">
-            <a:schemeClr val="accent1"/>
-          </a:fillRef>
-          <a:effectRef idx="0">
-            <a:schemeClr val="accent1"/>
-          </a:effectRef>
-          <a:fontRef idx="minor">
-            <a:schemeClr val="lt1"/>
-          </a:fontRef>
-        </p:style>
-        <p:txBody>
-          <a:bodyPr rtlCol="0" anchor="ctr"/>
-          <a:lstStyle/>
-          <a:p>
-            <a:pPr algn="ctr"/>
-            <a:r>
-              <a:rPr lang="de-DE" sz="2400" dirty="0" smtClean="0"/>
-              <a:t>10,11,19     </a:t>
-            </a:r>
-            <a:endParaRPr lang="de-DE" sz="2400" b="1" dirty="0"/>
+              <a:rPr lang="de-DE" sz="2400" dirty="0"/>
+              <a:t>Q,1</a:t>
+            </a:r>
           </a:p>
         </p:txBody>
       </p:sp>
       <p:cxnSp>
         <p:nvCxnSpPr>
-          <p:cNvPr id="70" name="Gewinkelte Verbindung 69"/>
-          <p:cNvCxnSpPr/>
+          <p:cNvPr id="28" name="Verbinder: gewinkelt 27">
+            <a:extLst>
+              <a:ext uri="{FF2B5EF4-FFF2-40B4-BE49-F238E27FC236}">
+                <a16:creationId xmlns:a16="http://schemas.microsoft.com/office/drawing/2014/main" id="{E1E1B73D-9558-4D47-B773-CFD5AEDFBF9F}"/>
+              </a:ext>
+            </a:extLst>
+          </p:cNvPr>
+          <p:cNvCxnSpPr>
+            <a:stCxn id="31" idx="2"/>
+            <a:endCxn id="24" idx="0"/>
+          </p:cNvCxnSpPr>
+          <p:nvPr/>
+        </p:nvCxnSpPr>
+        <p:spPr>
+          <a:xfrm rot="5400000">
+            <a:off x="4794366" y="2233252"/>
+            <a:ext cx="530940" cy="1162888"/>
+          </a:xfrm>
+          <a:prstGeom prst="bentConnector3">
+            <a:avLst/>
+          </a:prstGeom>
+          <a:ln w="22225">
+            <a:solidFill>
+              <a:schemeClr val="accent2"/>
+            </a:solidFill>
+            <a:tailEnd type="triangle"/>
+          </a:ln>
+        </p:spPr>
+        <p:style>
+          <a:lnRef idx="1">
+            <a:schemeClr val="accent1"/>
+          </a:lnRef>
+          <a:fillRef idx="0">
+            <a:schemeClr val="accent1"/>
+          </a:fillRef>
+          <a:effectRef idx="0">
+            <a:schemeClr val="accent1"/>
+          </a:effectRef>
+          <a:fontRef idx="minor">
+            <a:schemeClr val="tx1"/>
+          </a:fontRef>
+        </p:style>
+      </p:cxnSp>
+      <p:cxnSp>
+        <p:nvCxnSpPr>
+          <p:cNvPr id="42" name="Verbinder: gewinkelt 41">
+            <a:extLst>
+              <a:ext uri="{FF2B5EF4-FFF2-40B4-BE49-F238E27FC236}">
+                <a16:creationId xmlns:a16="http://schemas.microsoft.com/office/drawing/2014/main" id="{948B72D2-6E2F-4F70-8CE1-E3A99605879A}"/>
+              </a:ext>
+            </a:extLst>
+          </p:cNvPr>
+          <p:cNvCxnSpPr>
+            <a:cxnSpLocks/>
+            <a:stCxn id="31" idx="2"/>
+            <a:endCxn id="8" idx="0"/>
+          </p:cNvCxnSpPr>
           <p:nvPr/>
         </p:nvCxnSpPr>
         <p:spPr>
           <a:xfrm rot="16200000" flipH="1">
-            <a:off x="8488232" y="2559087"/>
-            <a:ext cx="920215" cy="2360216"/>
+            <a:off x="5953543" y="2236962"/>
+            <a:ext cx="536054" cy="1160581"/>
           </a:xfrm>
           <a:prstGeom prst="bentConnector3">
             <a:avLst>
-              <a:gd name="adj1" fmla="val 35279"/>
+              <a:gd name="adj1" fmla="val 50000"/>
+            </a:avLst>
+          </a:prstGeom>
+          <a:ln w="22225">
+            <a:solidFill>
+              <a:schemeClr val="accent2"/>
+            </a:solidFill>
+            <a:tailEnd type="triangle"/>
+          </a:ln>
+        </p:spPr>
+        <p:style>
+          <a:lnRef idx="1">
+            <a:schemeClr val="accent1"/>
+          </a:lnRef>
+          <a:fillRef idx="0">
+            <a:schemeClr val="accent1"/>
+          </a:fillRef>
+          <a:effectRef idx="0">
+            <a:schemeClr val="accent1"/>
+          </a:effectRef>
+          <a:fontRef idx="minor">
+            <a:schemeClr val="tx1"/>
+          </a:fontRef>
+        </p:style>
+      </p:cxnSp>
+      <p:cxnSp>
+        <p:nvCxnSpPr>
+          <p:cNvPr id="45" name="Verbinder: gewinkelt 44">
+            <a:extLst>
+              <a:ext uri="{FF2B5EF4-FFF2-40B4-BE49-F238E27FC236}">
+                <a16:creationId xmlns:a16="http://schemas.microsoft.com/office/drawing/2014/main" id="{087632C2-5A13-4737-BBE7-60FE4B9EB2A1}"/>
+              </a:ext>
+            </a:extLst>
+          </p:cNvPr>
+          <p:cNvCxnSpPr>
+            <a:cxnSpLocks/>
+            <a:stCxn id="39" idx="3"/>
+            <a:endCxn id="24" idx="0"/>
+          </p:cNvCxnSpPr>
+          <p:nvPr/>
+        </p:nvCxnSpPr>
+        <p:spPr>
+          <a:xfrm rot="5400000">
+            <a:off x="5912288" y="1113578"/>
+            <a:ext cx="532693" cy="3400483"/>
+          </a:xfrm>
+          <a:prstGeom prst="bentConnector3">
+            <a:avLst>
+              <a:gd name="adj1" fmla="val 30927"/>
             </a:avLst>
           </a:prstGeom>
           <a:ln w="22225">
@@ -9103,109 +9448,30 @@
           </a:fontRef>
         </p:style>
       </p:cxnSp>
-      <p:sp>
-        <p:nvSpPr>
-          <p:cNvPr id="86" name="Rechteck 85"/>
-          <p:cNvSpPr/>
-          <p:nvPr/>
-        </p:nvSpPr>
-        <p:spPr>
-          <a:xfrm>
-            <a:off x="5039416" y="1445793"/>
-            <a:ext cx="585903" cy="555977"/>
-          </a:xfrm>
-          <a:prstGeom prst="rect">
-            <a:avLst/>
-          </a:prstGeom>
-          <a:noFill/>
-          <a:ln>
-            <a:solidFill>
-              <a:srgbClr val="00B050"/>
-            </a:solidFill>
-          </a:ln>
-        </p:spPr>
-        <p:style>
-          <a:lnRef idx="2">
-            <a:schemeClr val="accent1">
-              <a:shade val="50000"/>
-            </a:schemeClr>
-          </a:lnRef>
-          <a:fillRef idx="1">
-            <a:schemeClr val="accent1"/>
-          </a:fillRef>
-          <a:effectRef idx="0">
-            <a:schemeClr val="accent1"/>
-          </a:effectRef>
-          <a:fontRef idx="minor">
-            <a:schemeClr val="lt1"/>
-          </a:fontRef>
-        </p:style>
-        <p:txBody>
-          <a:bodyPr rtlCol="0" anchor="ctr"/>
-          <a:lstStyle/>
-          <a:p>
-            <a:pPr algn="ctr"/>
-            <a:r>
-              <a:rPr lang="de-DE" sz="2400" b="1" dirty="0" smtClean="0"/>
-              <a:t>19</a:t>
-            </a:r>
-            <a:endParaRPr lang="de-DE" sz="2400" b="1" dirty="0"/>
-          </a:p>
-        </p:txBody>
-      </p:sp>
       <p:cxnSp>
         <p:nvCxnSpPr>
-          <p:cNvPr id="88" name="Gewinkelte Verbindung 87"/>
+          <p:cNvPr id="48" name="Verbinder: gewinkelt 47">
+            <a:extLst>
+              <a:ext uri="{FF2B5EF4-FFF2-40B4-BE49-F238E27FC236}">
+                <a16:creationId xmlns:a16="http://schemas.microsoft.com/office/drawing/2014/main" id="{82E528B7-15FF-43A2-AD60-22A7035B5714}"/>
+              </a:ext>
+            </a:extLst>
+          </p:cNvPr>
           <p:cNvCxnSpPr>
-            <a:stCxn id="86" idx="2"/>
+            <a:cxnSpLocks/>
+            <a:stCxn id="39" idx="4"/>
             <a:endCxn id="8" idx="0"/>
           </p:cNvCxnSpPr>
           <p:nvPr/>
         </p:nvCxnSpPr>
         <p:spPr>
-          <a:xfrm rot="16200000" flipH="1">
-            <a:off x="5099543" y="2234594"/>
-            <a:ext cx="465651" cy="1"/>
-          </a:xfrm>
-          <a:prstGeom prst="bentConnector3">
-            <a:avLst/>
-          </a:prstGeom>
-          <a:ln w="22225">
-            <a:solidFill>
-              <a:srgbClr val="00B050"/>
-            </a:solidFill>
-            <a:tailEnd type="triangle"/>
-          </a:ln>
-        </p:spPr>
-        <p:style>
-          <a:lnRef idx="1">
-            <a:schemeClr val="accent1"/>
-          </a:lnRef>
-          <a:fillRef idx="0">
-            <a:schemeClr val="accent1"/>
-          </a:fillRef>
-          <a:effectRef idx="0">
-            <a:schemeClr val="accent1"/>
-          </a:effectRef>
-          <a:fontRef idx="minor">
-            <a:schemeClr val="tx1"/>
-          </a:fontRef>
-        </p:style>
-      </p:cxnSp>
-      <p:cxnSp>
-        <p:nvCxnSpPr>
-          <p:cNvPr id="94" name="Gewinkelte Verbindung 93"/>
-          <p:cNvCxnSpPr/>
-          <p:nvPr/>
-        </p:nvCxnSpPr>
-        <p:spPr>
           <a:xfrm rot="5400000">
-            <a:off x="6120561" y="2893798"/>
-            <a:ext cx="920215" cy="1690793"/>
+            <a:off x="7121848" y="2227486"/>
+            <a:ext cx="537807" cy="1177780"/>
           </a:xfrm>
           <a:prstGeom prst="bentConnector3">
             <a:avLst>
-              <a:gd name="adj1" fmla="val 34819"/>
+              <a:gd name="adj1" fmla="val 67632"/>
             </a:avLst>
           </a:prstGeom>
           <a:ln w="22225">
@@ -9230,89 +9496,81 @@
           </a:fontRef>
         </p:style>
       </p:cxnSp>
-      <p:cxnSp>
-        <p:nvCxnSpPr>
-          <p:cNvPr id="102" name="Gewinkelte Verbindung 101"/>
-          <p:cNvCxnSpPr/>
-          <p:nvPr/>
-        </p:nvCxnSpPr>
-        <p:spPr>
-          <a:xfrm rot="5400000">
-            <a:off x="4958878" y="1734616"/>
-            <a:ext cx="920215" cy="4016383"/>
-          </a:xfrm>
-          <a:prstGeom prst="bentConnector3">
-            <a:avLst>
-              <a:gd name="adj1" fmla="val 34819"/>
-            </a:avLst>
-          </a:prstGeom>
-          <a:ln w="22225">
-            <a:solidFill>
-              <a:srgbClr val="00B050"/>
-            </a:solidFill>
-            <a:tailEnd type="triangle"/>
-          </a:ln>
-        </p:spPr>
-        <p:style>
-          <a:lnRef idx="1">
-            <a:schemeClr val="accent1"/>
-          </a:lnRef>
-          <a:fillRef idx="0">
-            <a:schemeClr val="accent1"/>
-          </a:fillRef>
-          <a:effectRef idx="0">
-            <a:schemeClr val="accent1"/>
-          </a:effectRef>
-          <a:fontRef idx="minor">
-            <a:schemeClr val="tx1"/>
-          </a:fontRef>
-        </p:style>
-      </p:cxnSp>
       <p:sp>
         <p:nvSpPr>
-          <p:cNvPr id="112" name="Rechteck 111"/>
-          <p:cNvSpPr/>
+          <p:cNvPr id="49" name="Textfeld 48">
+            <a:extLst>
+              <a:ext uri="{FF2B5EF4-FFF2-40B4-BE49-F238E27FC236}">
+                <a16:creationId xmlns:a16="http://schemas.microsoft.com/office/drawing/2014/main" id="{37007817-599F-472E-8197-243F883906B5}"/>
+              </a:ext>
+            </a:extLst>
+          </p:cNvPr>
+          <p:cNvSpPr txBox="1"/>
           <p:nvPr/>
         </p:nvSpPr>
         <p:spPr>
           <a:xfrm>
-            <a:off x="10187149" y="4324250"/>
-            <a:ext cx="585903" cy="555977"/>
+            <a:off x="4144287" y="3256201"/>
+            <a:ext cx="663964" cy="461665"/>
           </a:xfrm>
           <a:prstGeom prst="rect">
             <a:avLst/>
           </a:prstGeom>
           <a:noFill/>
-          <a:ln>
-            <a:noFill/>
-          </a:ln>
         </p:spPr>
-        <p:style>
-          <a:lnRef idx="2">
-            <a:schemeClr val="accent1">
-              <a:shade val="50000"/>
-            </a:schemeClr>
-          </a:lnRef>
-          <a:fillRef idx="1">
-            <a:schemeClr val="accent1"/>
-          </a:fillRef>
-          <a:effectRef idx="0">
-            <a:schemeClr val="accent1"/>
-          </a:effectRef>
-          <a:fontRef idx="minor">
-            <a:schemeClr val="lt1"/>
-          </a:fontRef>
-        </p:style>
         <p:txBody>
-          <a:bodyPr rtlCol="0" anchor="ctr"/>
+          <a:bodyPr wrap="none" rtlCol="0">
+            <a:spAutoFit/>
+          </a:bodyPr>
           <a:lstStyle/>
           <a:p>
-            <a:pPr algn="ctr"/>
-            <a:r>
-              <a:rPr lang="de-DE" sz="2400" b="1" dirty="0" smtClean="0"/>
-              <a:t>19</a:t>
-            </a:r>
-            <a:endParaRPr lang="de-DE" sz="2400" b="1" dirty="0"/>
+            <a:r>
+              <a:rPr lang="de-DE" sz="2400" b="1" dirty="0">
+                <a:solidFill>
+                  <a:srgbClr val="00B050"/>
+                </a:solidFill>
+              </a:rPr>
+              <a:t>B,2</a:t>
+            </a:r>
+          </a:p>
+        </p:txBody>
+      </p:sp>
+      <p:sp>
+        <p:nvSpPr>
+          <p:cNvPr id="61" name="Textfeld 60">
+            <a:extLst>
+              <a:ext uri="{FF2B5EF4-FFF2-40B4-BE49-F238E27FC236}">
+                <a16:creationId xmlns:a16="http://schemas.microsoft.com/office/drawing/2014/main" id="{C98F5722-C817-4E83-8B05-F9A146ABCB29}"/>
+              </a:ext>
+            </a:extLst>
+          </p:cNvPr>
+          <p:cNvSpPr txBox="1"/>
+          <p:nvPr/>
+        </p:nvSpPr>
+        <p:spPr>
+          <a:xfrm>
+            <a:off x="6469875" y="3260974"/>
+            <a:ext cx="663964" cy="461665"/>
+          </a:xfrm>
+          <a:prstGeom prst="rect">
+            <a:avLst/>
+          </a:prstGeom>
+          <a:noFill/>
+        </p:spPr>
+        <p:txBody>
+          <a:bodyPr wrap="none" rtlCol="0">
+            <a:spAutoFit/>
+          </a:bodyPr>
+          <a:lstStyle/>
+          <a:p>
+            <a:r>
+              <a:rPr lang="de-DE" sz="2400" b="1" dirty="0">
+                <a:solidFill>
+                  <a:srgbClr val="00B050"/>
+                </a:solidFill>
+              </a:rPr>
+              <a:t>C,2</a:t>
+            </a:r>
           </a:p>
         </p:txBody>
       </p:sp>
@@ -9347,7 +9605,7 @@
                             </p:stCondLst>
                             <p:childTnLst>
                               <p:par>
-                                <p:cTn id="5" presetID="2" presetClass="entr" presetSubtype="1" fill="hold" grpId="0" nodeType="clickEffect">
+                                <p:cTn id="5" presetID="10" presetClass="entr" presetSubtype="0" fill="hold" grpId="0" nodeType="clickEffect">
                                   <p:stCondLst>
                                     <p:cond delay="0"/>
                                   </p:stCondLst>
@@ -9360,98 +9618,7 @@
                                           </p:stCondLst>
                                         </p:cTn>
                                         <p:tgtEl>
-                                          <p:spTgt spid="86"/>
-                                        </p:tgtEl>
-                                        <p:attrNameLst>
-                                          <p:attrName>style.visibility</p:attrName>
-                                        </p:attrNameLst>
-                                      </p:cBhvr>
-                                      <p:to>
-                                        <p:strVal val="visible"/>
-                                      </p:to>
-                                    </p:set>
-                                    <p:anim calcmode="lin" valueType="num">
-                                      <p:cBhvr additive="base">
-                                        <p:cTn id="7" dur="500" fill="hold"/>
-                                        <p:tgtEl>
-                                          <p:spTgt spid="86"/>
-                                        </p:tgtEl>
-                                        <p:attrNameLst>
-                                          <p:attrName>ppt_x</p:attrName>
-                                        </p:attrNameLst>
-                                      </p:cBhvr>
-                                      <p:tavLst>
-                                        <p:tav tm="0">
-                                          <p:val>
-                                            <p:strVal val="#ppt_x"/>
-                                          </p:val>
-                                        </p:tav>
-                                        <p:tav tm="100000">
-                                          <p:val>
-                                            <p:strVal val="#ppt_x"/>
-                                          </p:val>
-                                        </p:tav>
-                                      </p:tavLst>
-                                    </p:anim>
-                                    <p:anim calcmode="lin" valueType="num">
-                                      <p:cBhvr additive="base">
-                                        <p:cTn id="8" dur="500" fill="hold"/>
-                                        <p:tgtEl>
-                                          <p:spTgt spid="86"/>
-                                        </p:tgtEl>
-                                        <p:attrNameLst>
-                                          <p:attrName>ppt_y</p:attrName>
-                                        </p:attrNameLst>
-                                      </p:cBhvr>
-                                      <p:tavLst>
-                                        <p:tav tm="0">
-                                          <p:val>
-                                            <p:strVal val="0-#ppt_h/2"/>
-                                          </p:val>
-                                        </p:tav>
-                                        <p:tav tm="100000">
-                                          <p:val>
-                                            <p:strVal val="#ppt_y"/>
-                                          </p:val>
-                                        </p:tav>
-                                      </p:tavLst>
-                                    </p:anim>
-                                  </p:childTnLst>
-                                </p:cTn>
-                              </p:par>
-                            </p:childTnLst>
-                          </p:cTn>
-                        </p:par>
-                      </p:childTnLst>
-                    </p:cTn>
-                  </p:par>
-                  <p:par>
-                    <p:cTn id="9" fill="hold">
-                      <p:stCondLst>
-                        <p:cond delay="indefinite"/>
-                      </p:stCondLst>
-                      <p:childTnLst>
-                        <p:par>
-                          <p:cTn id="10" fill="hold">
-                            <p:stCondLst>
-                              <p:cond delay="0"/>
-                            </p:stCondLst>
-                            <p:childTnLst>
-                              <p:par>
-                                <p:cTn id="11" presetID="10" presetClass="entr" presetSubtype="0" fill="hold" nodeType="clickEffect">
-                                  <p:stCondLst>
-                                    <p:cond delay="0"/>
-                                  </p:stCondLst>
-                                  <p:childTnLst>
-                                    <p:set>
-                                      <p:cBhvr>
-                                        <p:cTn id="12" dur="1" fill="hold">
-                                          <p:stCondLst>
-                                            <p:cond delay="0"/>
-                                          </p:stCondLst>
-                                        </p:cTn>
-                                        <p:tgtEl>
-                                          <p:spTgt spid="88"/>
+                                          <p:spTgt spid="39"/>
                                         </p:tgtEl>
                                         <p:attrNameLst>
                                           <p:attrName>style.visibility</p:attrName>
@@ -9463,9 +9630,9 @@
                                     </p:set>
                                     <p:animEffect transition="in" filter="fade">
                                       <p:cBhvr>
-                                        <p:cTn id="13" dur="500"/>
+                                        <p:cTn id="7" dur="500"/>
                                         <p:tgtEl>
-                                          <p:spTgt spid="88"/>
+                                          <p:spTgt spid="39"/>
                                         </p:tgtEl>
                                       </p:cBhvr>
                                     </p:animEffect>
@@ -9475,79 +9642,87 @@
                             </p:childTnLst>
                           </p:cTn>
                         </p:par>
-                      </p:childTnLst>
-                    </p:cTn>
-                  </p:par>
-                  <p:par>
-                    <p:cTn id="14" fill="hold">
-                      <p:stCondLst>
-                        <p:cond delay="indefinite"/>
-                      </p:stCondLst>
-                      <p:childTnLst>
                         <p:par>
-                          <p:cTn id="15" fill="hold">
+                          <p:cTn id="8" fill="hold">
                             <p:stCondLst>
-                              <p:cond delay="0"/>
+                              <p:cond delay="500"/>
                             </p:stCondLst>
                             <p:childTnLst>
                               <p:par>
-                                <p:cTn id="16" presetID="10" presetClass="exit" presetSubtype="0" fill="hold" grpId="1" nodeType="clickEffect">
+                                <p:cTn id="9" presetID="10" presetClass="entr" presetSubtype="0" fill="hold" nodeType="afterEffect">
+                                  <p:stCondLst>
+                                    <p:cond delay="500"/>
+                                  </p:stCondLst>
+                                  <p:childTnLst>
+                                    <p:set>
+                                      <p:cBhvr>
+                                        <p:cTn id="10" dur="1" fill="hold">
+                                          <p:stCondLst>
+                                            <p:cond delay="0"/>
+                                          </p:stCondLst>
+                                        </p:cTn>
+                                        <p:tgtEl>
+                                          <p:spTgt spid="45"/>
+                                        </p:tgtEl>
+                                        <p:attrNameLst>
+                                          <p:attrName>style.visibility</p:attrName>
+                                        </p:attrNameLst>
+                                      </p:cBhvr>
+                                      <p:to>
+                                        <p:strVal val="visible"/>
+                                      </p:to>
+                                    </p:set>
+                                    <p:animEffect transition="in" filter="fade">
+                                      <p:cBhvr>
+                                        <p:cTn id="11" dur="500"/>
+                                        <p:tgtEl>
+                                          <p:spTgt spid="45"/>
+                                        </p:tgtEl>
+                                      </p:cBhvr>
+                                    </p:animEffect>
+                                  </p:childTnLst>
+                                </p:cTn>
+                              </p:par>
+                            </p:childTnLst>
+                          </p:cTn>
+                        </p:par>
+                        <p:par>
+                          <p:cTn id="12" fill="hold">
+                            <p:stCondLst>
+                              <p:cond delay="1500"/>
+                            </p:stCondLst>
+                            <p:childTnLst>
+                              <p:par>
+                                <p:cTn id="13" presetID="10" presetClass="exit" presetSubtype="0" fill="hold" nodeType="afterEffect">
                                   <p:stCondLst>
                                     <p:cond delay="0"/>
                                   </p:stCondLst>
                                   <p:childTnLst>
                                     <p:animEffect transition="out" filter="fade">
                                       <p:cBhvr>
-                                        <p:cTn id="17" dur="500"/>
+                                        <p:cTn id="14" dur="500"/>
                                         <p:tgtEl>
-                                          <p:spTgt spid="86"/>
+                                          <p:spTgt spid="24">
+                                            <p:txEl>
+                                              <p:pRg st="0" end="0"/>
+                                            </p:txEl>
+                                          </p:spTgt>
                                         </p:tgtEl>
                                       </p:cBhvr>
                                     </p:animEffect>
                                     <p:set>
                                       <p:cBhvr>
-                                        <p:cTn id="18" dur="1" fill="hold">
+                                        <p:cTn id="15" dur="1" fill="hold">
                                           <p:stCondLst>
                                             <p:cond delay="499"/>
                                           </p:stCondLst>
                                         </p:cTn>
                                         <p:tgtEl>
-                                          <p:spTgt spid="86"/>
-                                        </p:tgtEl>
-                                        <p:attrNameLst>
-                                          <p:attrName>style.visibility</p:attrName>
-                                        </p:attrNameLst>
-                                      </p:cBhvr>
-                                      <p:to>
-                                        <p:strVal val="hidden"/>
-                                      </p:to>
-                                    </p:set>
-                                  </p:childTnLst>
-                                </p:cTn>
-                              </p:par>
-                              <p:par>
-                                <p:cTn id="19" presetID="10" presetClass="exit" presetSubtype="0" fill="hold" nodeType="withEffect">
-                                  <p:stCondLst>
-                                    <p:cond delay="0"/>
-                                  </p:stCondLst>
-                                  <p:childTnLst>
-                                    <p:animEffect transition="out" filter="fade">
-                                      <p:cBhvr>
-                                        <p:cTn id="20" dur="500"/>
-                                        <p:tgtEl>
-                                          <p:spTgt spid="88"/>
-                                        </p:tgtEl>
-                                      </p:cBhvr>
-                                    </p:animEffect>
-                                    <p:set>
-                                      <p:cBhvr>
-                                        <p:cTn id="21" dur="1" fill="hold">
-                                          <p:stCondLst>
-                                            <p:cond delay="499"/>
-                                          </p:stCondLst>
-                                        </p:cTn>
-                                        <p:tgtEl>
-                                          <p:spTgt spid="88"/>
+                                          <p:spTgt spid="24">
+                                            <p:txEl>
+                                              <p:pRg st="0" end="0"/>
+                                            </p:txEl>
+                                          </p:spTgt>
                                         </p:tgtEl>
                                         <p:attrNameLst>
                                           <p:attrName>style.visibility</p:attrName>
@@ -9564,26 +9739,26 @@
                           </p:cTn>
                         </p:par>
                         <p:par>
-                          <p:cTn id="22" fill="hold">
+                          <p:cTn id="16" fill="hold">
                             <p:stCondLst>
-                              <p:cond delay="500"/>
+                              <p:cond delay="2000"/>
                             </p:stCondLst>
                             <p:childTnLst>
                               <p:par>
-                                <p:cTn id="23" presetID="10" presetClass="entr" presetSubtype="0" fill="hold" grpId="0" nodeType="afterEffect">
+                                <p:cTn id="17" presetID="10" presetClass="entr" presetSubtype="0" fill="hold" grpId="0" nodeType="afterEffect">
                                   <p:stCondLst>
                                     <p:cond delay="0"/>
                                   </p:stCondLst>
                                   <p:childTnLst>
                                     <p:set>
                                       <p:cBhvr>
-                                        <p:cTn id="24" dur="1" fill="hold">
+                                        <p:cTn id="18" dur="1" fill="hold">
                                           <p:stCondLst>
                                             <p:cond delay="0"/>
                                           </p:stCondLst>
                                         </p:cTn>
                                         <p:tgtEl>
-                                          <p:spTgt spid="112"/>
+                                          <p:spTgt spid="49"/>
                                         </p:tgtEl>
                                         <p:attrNameLst>
                                           <p:attrName>style.visibility</p:attrName>
@@ -9595,9 +9770,9 @@
                                     </p:set>
                                     <p:animEffect transition="in" filter="fade">
                                       <p:cBhvr>
-                                        <p:cTn id="25" dur="500"/>
+                                        <p:cTn id="19" dur="500"/>
                                         <p:tgtEl>
-                                          <p:spTgt spid="112"/>
+                                          <p:spTgt spid="49"/>
                                         </p:tgtEl>
                                       </p:cBhvr>
                                     </p:animEffect>
@@ -9607,36 +9782,27 @@
                             </p:childTnLst>
                           </p:cTn>
                         </p:par>
-                      </p:childTnLst>
-                    </p:cTn>
-                  </p:par>
-                  <p:par>
-                    <p:cTn id="26" fill="hold">
-                      <p:stCondLst>
-                        <p:cond delay="indefinite"/>
-                      </p:stCondLst>
-                      <p:childTnLst>
                         <p:par>
-                          <p:cTn id="27" fill="hold">
+                          <p:cTn id="20" fill="hold">
                             <p:stCondLst>
-                              <p:cond delay="0"/>
+                              <p:cond delay="2500"/>
                             </p:stCondLst>
                             <p:childTnLst>
                               <p:par>
-                                <p:cTn id="28" presetID="10" presetClass="entr" presetSubtype="0" fill="hold" grpId="0" nodeType="clickEffect">
+                                <p:cTn id="21" presetID="10" presetClass="entr" presetSubtype="0" fill="hold" nodeType="afterEffect">
                                   <p:stCondLst>
-                                    <p:cond delay="0"/>
+                                    <p:cond delay="500"/>
                                   </p:stCondLst>
                                   <p:childTnLst>
                                     <p:set>
                                       <p:cBhvr>
-                                        <p:cTn id="29" dur="1" fill="hold">
+                                        <p:cTn id="22" dur="1" fill="hold">
                                           <p:stCondLst>
                                             <p:cond delay="0"/>
                                           </p:stCondLst>
                                         </p:cTn>
                                         <p:tgtEl>
-                                          <p:spTgt spid="65"/>
+                                          <p:spTgt spid="48"/>
                                         </p:tgtEl>
                                         <p:attrNameLst>
                                           <p:attrName>style.visibility</p:attrName>
@@ -9648,9 +9814,9 @@
                                     </p:set>
                                     <p:animEffect transition="in" filter="fade">
                                       <p:cBhvr>
-                                        <p:cTn id="30" dur="500"/>
+                                        <p:cTn id="23" dur="500"/>
                                         <p:tgtEl>
-                                          <p:spTgt spid="65"/>
+                                          <p:spTgt spid="48"/>
                                         </p:tgtEl>
                                       </p:cBhvr>
                                     </p:animEffect>
@@ -9660,40 +9826,79 @@
                             </p:childTnLst>
                           </p:cTn>
                         </p:par>
-                      </p:childTnLst>
-                    </p:cTn>
-                  </p:par>
-                  <p:par>
-                    <p:cTn id="31" fill="hold">
-                      <p:stCondLst>
-                        <p:cond delay="indefinite"/>
-                      </p:stCondLst>
-                      <p:childTnLst>
                         <p:par>
-                          <p:cTn id="32" fill="hold">
+                          <p:cTn id="24" fill="hold">
                             <p:stCondLst>
-                              <p:cond delay="0"/>
+                              <p:cond delay="3500"/>
                             </p:stCondLst>
                             <p:childTnLst>
                               <p:par>
-                                <p:cTn id="33" presetID="10" presetClass="entr" presetSubtype="0" fill="hold" nodeType="clickEffect">
+                                <p:cTn id="25" presetID="10" presetClass="exit" presetSubtype="0" fill="hold" nodeType="afterEffect">
+                                  <p:stCondLst>
+                                    <p:cond delay="0"/>
+                                  </p:stCondLst>
+                                  <p:childTnLst>
+                                    <p:animEffect transition="out" filter="fade">
+                                      <p:cBhvr>
+                                        <p:cTn id="26" dur="500"/>
+                                        <p:tgtEl>
+                                          <p:spTgt spid="8">
+                                            <p:txEl>
+                                              <p:pRg st="0" end="0"/>
+                                            </p:txEl>
+                                          </p:spTgt>
+                                        </p:tgtEl>
+                                      </p:cBhvr>
+                                    </p:animEffect>
+                                    <p:set>
+                                      <p:cBhvr>
+                                        <p:cTn id="27" dur="1" fill="hold">
+                                          <p:stCondLst>
+                                            <p:cond delay="499"/>
+                                          </p:stCondLst>
+                                        </p:cTn>
+                                        <p:tgtEl>
+                                          <p:spTgt spid="8">
+                                            <p:txEl>
+                                              <p:pRg st="0" end="0"/>
+                                            </p:txEl>
+                                          </p:spTgt>
+                                        </p:tgtEl>
+                                        <p:attrNameLst>
+                                          <p:attrName>style.visibility</p:attrName>
+                                        </p:attrNameLst>
+                                      </p:cBhvr>
+                                      <p:to>
+                                        <p:strVal val="hidden"/>
+                                      </p:to>
+                                    </p:set>
+                                  </p:childTnLst>
+                                </p:cTn>
+                              </p:par>
+                            </p:childTnLst>
+                          </p:cTn>
+                        </p:par>
+                        <p:par>
+                          <p:cTn id="28" fill="hold">
+                            <p:stCondLst>
+                              <p:cond delay="4000"/>
+                            </p:stCondLst>
+                            <p:childTnLst>
+                              <p:par>
+                                <p:cTn id="29" presetID="10" presetClass="entr" presetSubtype="0" fill="hold" grpId="0" nodeType="afterEffect">
                                   <p:stCondLst>
                                     <p:cond delay="0"/>
                                   </p:stCondLst>
                                   <p:childTnLst>
                                     <p:set>
                                       <p:cBhvr>
-                                        <p:cTn id="34" dur="1" fill="hold">
+                                        <p:cTn id="30" dur="1" fill="hold">
                                           <p:stCondLst>
                                             <p:cond delay="0"/>
                                           </p:stCondLst>
                                         </p:cTn>
                                         <p:tgtEl>
-                                          <p:spTgt spid="65">
-                                            <p:txEl>
-                                              <p:pRg st="0" end="0"/>
-                                            </p:txEl>
-                                          </p:spTgt>
+                                          <p:spTgt spid="61"/>
                                         </p:tgtEl>
                                         <p:attrNameLst>
                                           <p:attrName>style.visibility</p:attrName>
@@ -9705,180 +9910,9 @@
                                     </p:set>
                                     <p:animEffect transition="in" filter="fade">
                                       <p:cBhvr>
-                                        <p:cTn id="35" dur="500"/>
+                                        <p:cTn id="31" dur="500"/>
                                         <p:tgtEl>
-                                          <p:spTgt spid="65">
-                                            <p:txEl>
-                                              <p:pRg st="0" end="0"/>
-                                            </p:txEl>
-                                          </p:spTgt>
-                                        </p:tgtEl>
-                                      </p:cBhvr>
-                                    </p:animEffect>
-                                  </p:childTnLst>
-                                </p:cTn>
-                              </p:par>
-                            </p:childTnLst>
-                          </p:cTn>
-                        </p:par>
-                        <p:par>
-                          <p:cTn id="36" fill="hold">
-                            <p:stCondLst>
-                              <p:cond delay="500"/>
-                            </p:stCondLst>
-                            <p:childTnLst>
-                              <p:par>
-                                <p:cTn id="37" presetID="10" presetClass="entr" presetSubtype="0" fill="hold" grpId="0" nodeType="afterEffect">
-                                  <p:stCondLst>
-                                    <p:cond delay="0"/>
-                                  </p:stCondLst>
-                                  <p:childTnLst>
-                                    <p:set>
-                                      <p:cBhvr>
-                                        <p:cTn id="38" dur="1" fill="hold">
-                                          <p:stCondLst>
-                                            <p:cond delay="0"/>
-                                          </p:stCondLst>
-                                        </p:cTn>
-                                        <p:tgtEl>
-                                          <p:spTgt spid="64"/>
-                                        </p:tgtEl>
-                                        <p:attrNameLst>
-                                          <p:attrName>style.visibility</p:attrName>
-                                        </p:attrNameLst>
-                                      </p:cBhvr>
-                                      <p:to>
-                                        <p:strVal val="visible"/>
-                                      </p:to>
-                                    </p:set>
-                                    <p:animEffect transition="in" filter="fade">
-                                      <p:cBhvr>
-                                        <p:cTn id="39" dur="500"/>
-                                        <p:tgtEl>
-                                          <p:spTgt spid="64"/>
-                                        </p:tgtEl>
-                                      </p:cBhvr>
-                                    </p:animEffect>
-                                  </p:childTnLst>
-                                </p:cTn>
-                              </p:par>
-                            </p:childTnLst>
-                          </p:cTn>
-                        </p:par>
-                      </p:childTnLst>
-                    </p:cTn>
-                  </p:par>
-                  <p:par>
-                    <p:cTn id="40" fill="hold">
-                      <p:stCondLst>
-                        <p:cond delay="indefinite"/>
-                      </p:stCondLst>
-                      <p:childTnLst>
-                        <p:par>
-                          <p:cTn id="41" fill="hold">
-                            <p:stCondLst>
-                              <p:cond delay="0"/>
-                            </p:stCondLst>
-                            <p:childTnLst>
-                              <p:par>
-                                <p:cTn id="42" presetID="10" presetClass="entr" presetSubtype="0" fill="hold" nodeType="clickEffect">
-                                  <p:stCondLst>
-                                    <p:cond delay="0"/>
-                                  </p:stCondLst>
-                                  <p:childTnLst>
-                                    <p:set>
-                                      <p:cBhvr>
-                                        <p:cTn id="43" dur="1" fill="hold">
-                                          <p:stCondLst>
-                                            <p:cond delay="0"/>
-                                          </p:stCondLst>
-                                        </p:cTn>
-                                        <p:tgtEl>
-                                          <p:spTgt spid="70"/>
-                                        </p:tgtEl>
-                                        <p:attrNameLst>
-                                          <p:attrName>style.visibility</p:attrName>
-                                        </p:attrNameLst>
-                                      </p:cBhvr>
-                                      <p:to>
-                                        <p:strVal val="visible"/>
-                                      </p:to>
-                                    </p:set>
-                                    <p:animEffect transition="in" filter="fade">
-                                      <p:cBhvr>
-                                        <p:cTn id="44" dur="500"/>
-                                        <p:tgtEl>
-                                          <p:spTgt spid="70"/>
-                                        </p:tgtEl>
-                                      </p:cBhvr>
-                                    </p:animEffect>
-                                  </p:childTnLst>
-                                </p:cTn>
-                              </p:par>
-                              <p:par>
-                                <p:cTn id="45" presetID="10" presetClass="entr" presetSubtype="0" fill="hold" nodeType="withEffect">
-                                  <p:stCondLst>
-                                    <p:cond delay="0"/>
-                                  </p:stCondLst>
-                                  <p:childTnLst>
-                                    <p:set>
-                                      <p:cBhvr>
-                                        <p:cTn id="46" dur="1" fill="hold">
-                                          <p:stCondLst>
-                                            <p:cond delay="0"/>
-                                          </p:stCondLst>
-                                        </p:cTn>
-                                        <p:tgtEl>
-                                          <p:spTgt spid="102"/>
-                                        </p:tgtEl>
-                                        <p:attrNameLst>
-                                          <p:attrName>style.visibility</p:attrName>
-                                        </p:attrNameLst>
-                                      </p:cBhvr>
-                                      <p:to>
-                                        <p:strVal val="visible"/>
-                                      </p:to>
-                                    </p:set>
-                                    <p:animEffect transition="in" filter="fade">
-                                      <p:cBhvr>
-                                        <p:cTn id="47" dur="500"/>
-                                        <p:tgtEl>
-                                          <p:spTgt spid="102"/>
-                                        </p:tgtEl>
-                                      </p:cBhvr>
-                                    </p:animEffect>
-                                  </p:childTnLst>
-                                </p:cTn>
-                              </p:par>
-                              <p:par>
-                                <p:cTn id="48" presetID="10" presetClass="entr" presetSubtype="0" fill="hold" nodeType="withEffect">
-                                  <p:stCondLst>
-                                    <p:cond delay="0"/>
-                                  </p:stCondLst>
-                                  <p:childTnLst>
-                                    <p:set>
-                                      <p:cBhvr>
-                                        <p:cTn id="49" dur="1" fill="hold">
-                                          <p:stCondLst>
-                                            <p:cond delay="0"/>
-                                          </p:stCondLst>
-                                        </p:cTn>
-                                        <p:tgtEl>
-                                          <p:spTgt spid="94"/>
-                                        </p:tgtEl>
-                                        <p:attrNameLst>
-                                          <p:attrName>style.visibility</p:attrName>
-                                        </p:attrNameLst>
-                                      </p:cBhvr>
-                                      <p:to>
-                                        <p:strVal val="visible"/>
-                                      </p:to>
-                                    </p:set>
-                                    <p:animEffect transition="in" filter="fade">
-                                      <p:cBhvr>
-                                        <p:cTn id="50" dur="500"/>
-                                        <p:tgtEl>
-                                          <p:spTgt spid="94"/>
+                                          <p:spTgt spid="61"/>
                                         </p:tgtEl>
                                       </p:cBhvr>
                                     </p:animEffect>
@@ -9913,13 +9947,450 @@
       </p:par>
     </p:tnLst>
     <p:bldLst>
-      <p:bldP spid="64" grpId="0" animBg="1"/>
-      <p:bldP spid="65" grpId="0" animBg="1"/>
-      <p:bldP spid="86" grpId="0" animBg="1"/>
-      <p:bldP spid="86" grpId="1" animBg="1"/>
-      <p:bldP spid="112" grpId="0"/>
+      <p:bldP spid="39" grpId="0" animBg="1"/>
+      <p:bldP spid="49" grpId="0"/>
+      <p:bldP spid="61" grpId="0"/>
     </p:bldLst>
   </p:timing>
+</p:sld>
+</file>
+
+<file path=ppt/slides/slide5.xml><?xml version="1.0" encoding="utf-8"?>
+<p:sld xmlns:a="http://schemas.openxmlformats.org/drawingml/2006/main" xmlns:r="http://schemas.openxmlformats.org/officeDocument/2006/relationships" xmlns:p="http://schemas.openxmlformats.org/presentationml/2006/main">
+  <p:cSld>
+    <p:spTree>
+      <p:nvGrpSpPr>
+        <p:cNvPr id="1" name=""/>
+        <p:cNvGrpSpPr/>
+        <p:nvPr/>
+      </p:nvGrpSpPr>
+      <p:grpSpPr>
+        <a:xfrm>
+          <a:off x="0" y="0"/>
+          <a:ext cx="0" cy="0"/>
+          <a:chOff x="0" y="0"/>
+          <a:chExt cx="0" cy="0"/>
+        </a:xfrm>
+      </p:grpSpPr>
+      <p:sp>
+        <p:nvSpPr>
+          <p:cNvPr id="3" name="Titel 2"/>
+          <p:cNvSpPr>
+            <a:spLocks noGrp="1"/>
+          </p:cNvSpPr>
+          <p:nvPr>
+            <p:ph type="title"/>
+          </p:nvPr>
+        </p:nvSpPr>
+        <p:spPr/>
+        <p:txBody>
+          <a:bodyPr/>
+          <a:lstStyle/>
+          <a:p>
+            <a:r>
+              <a:rPr lang="de-DE" dirty="0"/>
+              <a:t>Benchmarking Hardware</a:t>
+            </a:r>
+          </a:p>
+        </p:txBody>
+      </p:sp>
+      <p:sp>
+        <p:nvSpPr>
+          <p:cNvPr id="4" name="Textplatzhalter 3"/>
+          <p:cNvSpPr>
+            <a:spLocks noGrp="1"/>
+          </p:cNvSpPr>
+          <p:nvPr>
+            <p:ph type="body" idx="1"/>
+          </p:nvPr>
+        </p:nvSpPr>
+        <p:spPr>
+          <a:xfrm>
+            <a:off x="1355099" y="1600200"/>
+            <a:ext cx="4564438" cy="3928400"/>
+          </a:xfrm>
+        </p:spPr>
+        <p:txBody>
+          <a:bodyPr/>
+          <a:lstStyle/>
+          <a:p>
+            <a:r>
+              <a:rPr lang="de-DE" dirty="0"/>
+              <a:t>AMD R5 3600 6x3,6 Ghz</a:t>
+            </a:r>
+          </a:p>
+          <a:p>
+            <a:r>
+              <a:rPr lang="de-DE" dirty="0"/>
+              <a:t>8 GB RAM (Achtung Cache)</a:t>
+            </a:r>
+          </a:p>
+          <a:p>
+            <a:r>
+              <a:rPr lang="de-DE" dirty="0"/>
+              <a:t>Sekundärspeicher (SATA 3)</a:t>
+            </a:r>
+          </a:p>
+          <a:p>
+            <a:pPr lvl="1"/>
+            <a:r>
+              <a:rPr lang="de-DE" dirty="0"/>
+              <a:t>WD Blue 500GB 7200rpm</a:t>
+            </a:r>
+          </a:p>
+          <a:p>
+            <a:pPr lvl="1"/>
+            <a:r>
+              <a:rPr lang="de-DE" dirty="0"/>
+              <a:t>Samsung 840 Evo 250GB</a:t>
+            </a:r>
+          </a:p>
+        </p:txBody>
+      </p:sp>
+      <p:sp>
+        <p:nvSpPr>
+          <p:cNvPr id="2" name="Foliennummernplatzhalter 1"/>
+          <p:cNvSpPr>
+            <a:spLocks noGrp="1"/>
+          </p:cNvSpPr>
+          <p:nvPr>
+            <p:ph type="sldNum" idx="12"/>
+          </p:nvPr>
+        </p:nvSpPr>
+        <p:spPr/>
+        <p:txBody>
+          <a:bodyPr/>
+          <a:lstStyle/>
+          <a:p>
+            <a:fld id="{B948D178-27E7-48BA-BE20-8514153B4B82}" type="slidenum">
+              <a:rPr lang="de-DE" smtClean="0"/>
+              <a:t>5</a:t>
+            </a:fld>
+            <a:endParaRPr lang="de-DE"/>
+          </a:p>
+        </p:txBody>
+      </p:sp>
+      <p:sp>
+        <p:nvSpPr>
+          <p:cNvPr id="5" name="Textplatzhalter 3">
+            <a:extLst>
+              <a:ext uri="{FF2B5EF4-FFF2-40B4-BE49-F238E27FC236}">
+                <a16:creationId xmlns:a16="http://schemas.microsoft.com/office/drawing/2014/main" id="{2D4D0761-FE1E-4954-9EEE-920A5215BBCB}"/>
+              </a:ext>
+            </a:extLst>
+          </p:cNvPr>
+          <p:cNvSpPr txBox="1">
+            <a:spLocks/>
+          </p:cNvSpPr>
+          <p:nvPr/>
+        </p:nvSpPr>
+        <p:spPr>
+          <a:xfrm>
+            <a:off x="6644983" y="1600200"/>
+            <a:ext cx="4564438" cy="3928400"/>
+          </a:xfrm>
+          <a:prstGeom prst="rect">
+            <a:avLst/>
+          </a:prstGeom>
+          <a:noFill/>
+          <a:ln>
+            <a:noFill/>
+          </a:ln>
+        </p:spPr>
+        <p:txBody>
+          <a:bodyPr spcFirstLastPara="1" wrap="square" lIns="91425" tIns="91425" rIns="91425" bIns="91425" anchor="t" anchorCtr="0">
+            <a:noAutofit/>
+          </a:bodyPr>
+          <a:lstStyle>
+            <a:defPPr marR="0" lvl="0" algn="l" rtl="0">
+              <a:lnSpc>
+                <a:spcPct val="100000"/>
+              </a:lnSpc>
+              <a:spcBef>
+                <a:spcPts val="0"/>
+              </a:spcBef>
+              <a:spcAft>
+                <a:spcPts val="0"/>
+              </a:spcAft>
+            </a:defPPr>
+            <a:lvl1pPr marL="609585" marR="0" lvl="0" indent="-507987" algn="l" rtl="0" eaLnBrk="1" hangingPunct="1">
+              <a:lnSpc>
+                <a:spcPct val="115000"/>
+              </a:lnSpc>
+              <a:spcBef>
+                <a:spcPts val="800"/>
+              </a:spcBef>
+              <a:spcAft>
+                <a:spcPts val="0"/>
+              </a:spcAft>
+              <a:buClr>
+                <a:schemeClr val="accent1"/>
+              </a:buClr>
+              <a:buSzPts val="2400"/>
+              <a:buFont typeface="Encode Sans ExtraLight"/>
+              <a:buChar char="▪"/>
+              <a:defRPr sz="2400" b="0" i="0" u="none" strike="noStrike" cap="none">
+                <a:solidFill>
+                  <a:schemeClr val="lt1"/>
+                </a:solidFill>
+                <a:latin typeface="Encode Sans ExtraLight"/>
+                <a:ea typeface="Encode Sans ExtraLight"/>
+                <a:cs typeface="Encode Sans ExtraLight"/>
+                <a:sym typeface="Encode Sans ExtraLight"/>
+              </a:defRPr>
+            </a:lvl1pPr>
+            <a:lvl2pPr marL="1219170" marR="0" lvl="1" indent="-507987" algn="l" rtl="0" eaLnBrk="1" hangingPunct="1">
+              <a:lnSpc>
+                <a:spcPct val="115000"/>
+              </a:lnSpc>
+              <a:spcBef>
+                <a:spcPts val="0"/>
+              </a:spcBef>
+              <a:spcAft>
+                <a:spcPts val="0"/>
+              </a:spcAft>
+              <a:buClr>
+                <a:schemeClr val="accent2"/>
+              </a:buClr>
+              <a:buSzPts val="2400"/>
+              <a:buFont typeface="Encode Sans ExtraLight"/>
+              <a:buChar char="▫"/>
+              <a:defRPr sz="2400" b="0" i="0" u="none" strike="noStrike" cap="none">
+                <a:solidFill>
+                  <a:schemeClr val="lt1"/>
+                </a:solidFill>
+                <a:latin typeface="Encode Sans ExtraLight"/>
+                <a:ea typeface="Encode Sans ExtraLight"/>
+                <a:cs typeface="Encode Sans ExtraLight"/>
+                <a:sym typeface="Encode Sans ExtraLight"/>
+              </a:defRPr>
+            </a:lvl2pPr>
+            <a:lvl3pPr marL="1828754" marR="0" lvl="2" indent="-507987" algn="l" rtl="0" eaLnBrk="1" hangingPunct="1">
+              <a:lnSpc>
+                <a:spcPct val="115000"/>
+              </a:lnSpc>
+              <a:spcBef>
+                <a:spcPts val="0"/>
+              </a:spcBef>
+              <a:spcAft>
+                <a:spcPts val="0"/>
+              </a:spcAft>
+              <a:buClr>
+                <a:schemeClr val="accent2"/>
+              </a:buClr>
+              <a:buSzPts val="2400"/>
+              <a:buFont typeface="Encode Sans ExtraLight"/>
+              <a:buChar char="▫"/>
+              <a:defRPr sz="2400" b="0" i="0" u="none" strike="noStrike" cap="none">
+                <a:solidFill>
+                  <a:schemeClr val="lt1"/>
+                </a:solidFill>
+                <a:latin typeface="Encode Sans ExtraLight"/>
+                <a:ea typeface="Encode Sans ExtraLight"/>
+                <a:cs typeface="Encode Sans ExtraLight"/>
+                <a:sym typeface="Encode Sans ExtraLight"/>
+              </a:defRPr>
+            </a:lvl3pPr>
+            <a:lvl4pPr marL="2438339" marR="0" lvl="3" indent="-507987" algn="l" rtl="0" eaLnBrk="1" hangingPunct="1">
+              <a:lnSpc>
+                <a:spcPct val="115000"/>
+              </a:lnSpc>
+              <a:spcBef>
+                <a:spcPts val="0"/>
+              </a:spcBef>
+              <a:spcAft>
+                <a:spcPts val="0"/>
+              </a:spcAft>
+              <a:buClr>
+                <a:schemeClr val="lt1"/>
+              </a:buClr>
+              <a:buSzPts val="2400"/>
+              <a:buFont typeface="Encode Sans ExtraLight"/>
+              <a:buChar char="▫"/>
+              <a:defRPr sz="2400" b="0" i="0" u="none" strike="noStrike" cap="none">
+                <a:solidFill>
+                  <a:schemeClr val="lt1"/>
+                </a:solidFill>
+                <a:latin typeface="Encode Sans ExtraLight"/>
+                <a:ea typeface="Encode Sans ExtraLight"/>
+                <a:cs typeface="Encode Sans ExtraLight"/>
+                <a:sym typeface="Encode Sans ExtraLight"/>
+              </a:defRPr>
+            </a:lvl4pPr>
+            <a:lvl5pPr marL="3047924" marR="0" lvl="4" indent="-507987" algn="l" rtl="0" eaLnBrk="1" hangingPunct="1">
+              <a:lnSpc>
+                <a:spcPct val="115000"/>
+              </a:lnSpc>
+              <a:spcBef>
+                <a:spcPts val="0"/>
+              </a:spcBef>
+              <a:spcAft>
+                <a:spcPts val="0"/>
+              </a:spcAft>
+              <a:buClr>
+                <a:schemeClr val="lt1"/>
+              </a:buClr>
+              <a:buSzPts val="2400"/>
+              <a:buFont typeface="Encode Sans ExtraLight"/>
+              <a:buChar char="▫"/>
+              <a:defRPr sz="2400" b="0" i="0" u="none" strike="noStrike" cap="none">
+                <a:solidFill>
+                  <a:schemeClr val="lt1"/>
+                </a:solidFill>
+                <a:latin typeface="Encode Sans ExtraLight"/>
+                <a:ea typeface="Encode Sans ExtraLight"/>
+                <a:cs typeface="Encode Sans ExtraLight"/>
+                <a:sym typeface="Encode Sans ExtraLight"/>
+              </a:defRPr>
+            </a:lvl5pPr>
+            <a:lvl6pPr marL="3657509" marR="0" lvl="5" indent="-507987" algn="l" rtl="0" eaLnBrk="1" hangingPunct="1">
+              <a:lnSpc>
+                <a:spcPct val="115000"/>
+              </a:lnSpc>
+              <a:spcBef>
+                <a:spcPts val="0"/>
+              </a:spcBef>
+              <a:spcAft>
+                <a:spcPts val="0"/>
+              </a:spcAft>
+              <a:buClr>
+                <a:schemeClr val="lt1"/>
+              </a:buClr>
+              <a:buSzPts val="2400"/>
+              <a:buFont typeface="Encode Sans ExtraLight"/>
+              <a:buChar char="▫"/>
+              <a:defRPr sz="2400" b="0" i="0" u="none" strike="noStrike" cap="none">
+                <a:solidFill>
+                  <a:schemeClr val="lt1"/>
+                </a:solidFill>
+                <a:latin typeface="Encode Sans ExtraLight"/>
+                <a:ea typeface="Encode Sans ExtraLight"/>
+                <a:cs typeface="Encode Sans ExtraLight"/>
+                <a:sym typeface="Encode Sans ExtraLight"/>
+              </a:defRPr>
+            </a:lvl6pPr>
+            <a:lvl7pPr marL="4267093" marR="0" lvl="6" indent="-507987" algn="l" rtl="0" eaLnBrk="1" hangingPunct="1">
+              <a:lnSpc>
+                <a:spcPct val="115000"/>
+              </a:lnSpc>
+              <a:spcBef>
+                <a:spcPts val="0"/>
+              </a:spcBef>
+              <a:spcAft>
+                <a:spcPts val="0"/>
+              </a:spcAft>
+              <a:buClr>
+                <a:schemeClr val="lt1"/>
+              </a:buClr>
+              <a:buSzPts val="2400"/>
+              <a:buFont typeface="Encode Sans ExtraLight"/>
+              <a:buChar char="▫"/>
+              <a:defRPr sz="2400" b="0" i="0" u="none" strike="noStrike" cap="none">
+                <a:solidFill>
+                  <a:schemeClr val="lt1"/>
+                </a:solidFill>
+                <a:latin typeface="Encode Sans ExtraLight"/>
+                <a:ea typeface="Encode Sans ExtraLight"/>
+                <a:cs typeface="Encode Sans ExtraLight"/>
+                <a:sym typeface="Encode Sans ExtraLight"/>
+              </a:defRPr>
+            </a:lvl7pPr>
+            <a:lvl8pPr marL="4876678" marR="0" lvl="7" indent="-507987" algn="l" rtl="0" eaLnBrk="1" hangingPunct="1">
+              <a:lnSpc>
+                <a:spcPct val="115000"/>
+              </a:lnSpc>
+              <a:spcBef>
+                <a:spcPts val="0"/>
+              </a:spcBef>
+              <a:spcAft>
+                <a:spcPts val="0"/>
+              </a:spcAft>
+              <a:buClr>
+                <a:schemeClr val="lt1"/>
+              </a:buClr>
+              <a:buSzPts val="2400"/>
+              <a:buFont typeface="Encode Sans ExtraLight"/>
+              <a:buChar char="▫"/>
+              <a:defRPr sz="2400" b="0" i="0" u="none" strike="noStrike" cap="none">
+                <a:solidFill>
+                  <a:schemeClr val="lt1"/>
+                </a:solidFill>
+                <a:latin typeface="Encode Sans ExtraLight"/>
+                <a:ea typeface="Encode Sans ExtraLight"/>
+                <a:cs typeface="Encode Sans ExtraLight"/>
+                <a:sym typeface="Encode Sans ExtraLight"/>
+              </a:defRPr>
+            </a:lvl8pPr>
+            <a:lvl9pPr marL="5486263" marR="0" lvl="8" indent="-507987" algn="l" rtl="0" eaLnBrk="1" hangingPunct="1">
+              <a:lnSpc>
+                <a:spcPct val="115000"/>
+              </a:lnSpc>
+              <a:spcBef>
+                <a:spcPts val="0"/>
+              </a:spcBef>
+              <a:spcAft>
+                <a:spcPts val="0"/>
+              </a:spcAft>
+              <a:buClr>
+                <a:schemeClr val="lt1"/>
+              </a:buClr>
+              <a:buSzPts val="2400"/>
+              <a:buFont typeface="Encode Sans ExtraLight"/>
+              <a:buChar char="▫"/>
+              <a:defRPr sz="2400" b="0" i="0" u="none" strike="noStrike" cap="none">
+                <a:solidFill>
+                  <a:schemeClr val="lt1"/>
+                </a:solidFill>
+                <a:latin typeface="Encode Sans ExtraLight"/>
+                <a:ea typeface="Encode Sans ExtraLight"/>
+                <a:cs typeface="Encode Sans ExtraLight"/>
+                <a:sym typeface="Encode Sans ExtraLight"/>
+              </a:defRPr>
+            </a:lvl9pPr>
+          </a:lstStyle>
+          <a:p>
+            <a:r>
+              <a:rPr lang="de-DE" kern="0" dirty="0"/>
+              <a:t>Ubuntu 18.04 LTS</a:t>
+            </a:r>
+          </a:p>
+          <a:p>
+            <a:r>
+              <a:rPr lang="de-DE" kern="0" dirty="0"/>
+              <a:t>Kernel?</a:t>
+            </a:r>
+          </a:p>
+          <a:p>
+            <a:r>
+              <a:rPr lang="de-DE" kern="0" dirty="0"/>
+              <a:t>BTFS</a:t>
+            </a:r>
+          </a:p>
+          <a:p>
+            <a:r>
+              <a:rPr lang="de-DE" kern="0" dirty="0"/>
+              <a:t>EXT4</a:t>
+            </a:r>
+          </a:p>
+          <a:p>
+            <a:r>
+              <a:rPr lang="de-DE" kern="0" dirty="0" err="1"/>
+              <a:t>Filebench</a:t>
+            </a:r>
+            <a:endParaRPr lang="de-DE" kern="0" dirty="0"/>
+          </a:p>
+        </p:txBody>
+      </p:sp>
+    </p:spTree>
+    <p:extLst>
+      <p:ext uri="{BB962C8B-B14F-4D97-AF65-F5344CB8AC3E}">
+        <p14:creationId xmlns:p14="http://schemas.microsoft.com/office/powerpoint/2010/main" val="3744845447"/>
+      </p:ext>
+    </p:extLst>
+  </p:cSld>
+  <p:clrMapOvr>
+    <a:masterClrMapping/>
+  </p:clrMapOvr>
 </p:sld>
 </file>
 
